--- a/Calendario2021/Presentaciones/1_IntroduccionRedes.pptx
+++ b/Calendario2021/Presentaciones/1_IntroduccionRedes.pptx
@@ -5,7 +5,7 @@
     <p:sldMasterId id="2147483648" r:id="rId1"/>
   </p:sldMasterIdLst>
   <p:notesMasterIdLst>
-    <p:notesMasterId r:id="rId50"/>
+    <p:notesMasterId r:id="rId49"/>
   </p:notesMasterIdLst>
   <p:sldIdLst>
     <p:sldId id="257" r:id="rId2"/>
@@ -18,44 +18,43 @@
     <p:sldId id="360" r:id="rId9"/>
     <p:sldId id="361" r:id="rId10"/>
     <p:sldId id="362" r:id="rId11"/>
-    <p:sldId id="368" r:id="rId12"/>
-    <p:sldId id="322" r:id="rId13"/>
-    <p:sldId id="323" r:id="rId14"/>
-    <p:sldId id="317" r:id="rId15"/>
-    <p:sldId id="319" r:id="rId16"/>
-    <p:sldId id="320" r:id="rId17"/>
-    <p:sldId id="321" r:id="rId18"/>
-    <p:sldId id="327" r:id="rId19"/>
-    <p:sldId id="348" r:id="rId20"/>
-    <p:sldId id="351" r:id="rId21"/>
-    <p:sldId id="352" r:id="rId22"/>
-    <p:sldId id="338" r:id="rId23"/>
-    <p:sldId id="332" r:id="rId24"/>
-    <p:sldId id="334" r:id="rId25"/>
-    <p:sldId id="335" r:id="rId26"/>
-    <p:sldId id="349" r:id="rId27"/>
-    <p:sldId id="350" r:id="rId28"/>
-    <p:sldId id="337" r:id="rId29"/>
-    <p:sldId id="354" r:id="rId30"/>
-    <p:sldId id="294" r:id="rId31"/>
-    <p:sldId id="298" r:id="rId32"/>
-    <p:sldId id="315" r:id="rId33"/>
-    <p:sldId id="300" r:id="rId34"/>
-    <p:sldId id="301" r:id="rId35"/>
-    <p:sldId id="302" r:id="rId36"/>
-    <p:sldId id="353" r:id="rId37"/>
-    <p:sldId id="303" r:id="rId38"/>
-    <p:sldId id="325" r:id="rId39"/>
-    <p:sldId id="378" r:id="rId40"/>
-    <p:sldId id="371" r:id="rId41"/>
-    <p:sldId id="372" r:id="rId42"/>
-    <p:sldId id="373" r:id="rId43"/>
-    <p:sldId id="374" r:id="rId44"/>
-    <p:sldId id="375" r:id="rId45"/>
-    <p:sldId id="355" r:id="rId46"/>
-    <p:sldId id="356" r:id="rId47"/>
-    <p:sldId id="376" r:id="rId48"/>
-    <p:sldId id="377" r:id="rId49"/>
+    <p:sldId id="322" r:id="rId12"/>
+    <p:sldId id="323" r:id="rId13"/>
+    <p:sldId id="317" r:id="rId14"/>
+    <p:sldId id="319" r:id="rId15"/>
+    <p:sldId id="320" r:id="rId16"/>
+    <p:sldId id="321" r:id="rId17"/>
+    <p:sldId id="327" r:id="rId18"/>
+    <p:sldId id="348" r:id="rId19"/>
+    <p:sldId id="351" r:id="rId20"/>
+    <p:sldId id="352" r:id="rId21"/>
+    <p:sldId id="338" r:id="rId22"/>
+    <p:sldId id="332" r:id="rId23"/>
+    <p:sldId id="334" r:id="rId24"/>
+    <p:sldId id="335" r:id="rId25"/>
+    <p:sldId id="349" r:id="rId26"/>
+    <p:sldId id="350" r:id="rId27"/>
+    <p:sldId id="337" r:id="rId28"/>
+    <p:sldId id="354" r:id="rId29"/>
+    <p:sldId id="294" r:id="rId30"/>
+    <p:sldId id="298" r:id="rId31"/>
+    <p:sldId id="315" r:id="rId32"/>
+    <p:sldId id="300" r:id="rId33"/>
+    <p:sldId id="301" r:id="rId34"/>
+    <p:sldId id="302" r:id="rId35"/>
+    <p:sldId id="353" r:id="rId36"/>
+    <p:sldId id="303" r:id="rId37"/>
+    <p:sldId id="325" r:id="rId38"/>
+    <p:sldId id="378" r:id="rId39"/>
+    <p:sldId id="371" r:id="rId40"/>
+    <p:sldId id="372" r:id="rId41"/>
+    <p:sldId id="373" r:id="rId42"/>
+    <p:sldId id="374" r:id="rId43"/>
+    <p:sldId id="375" r:id="rId44"/>
+    <p:sldId id="355" r:id="rId45"/>
+    <p:sldId id="356" r:id="rId46"/>
+    <p:sldId id="376" r:id="rId47"/>
+    <p:sldId id="377" r:id="rId48"/>
   </p:sldIdLst>
   <p:sldSz cx="9144000" cy="6858000" type="screen4x3"/>
   <p:notesSz cx="6858000" cy="9144000"/>
@@ -255,7 +254,7 @@
           <a:p>
             <a:fld id="{2D445F07-8756-451B-A938-0248325FC7BB}" type="datetimeFigureOut">
               <a:rPr lang="es-MX" smtClean="0"/>
-              <a:t>07/02/2021</a:t>
+              <a:t>08/02/2021</a:t>
             </a:fld>
             <a:endParaRPr lang="es-MX" dirty="0"/>
           </a:p>
@@ -681,7 +680,7 @@
     </p:spTree>
     <p:extLst>
       <p:ext uri="{BB962C8B-B14F-4D97-AF65-F5344CB8AC3E}">
-        <p14:creationId xmlns:p14="http://schemas.microsoft.com/office/powerpoint/2010/main" val="4005466263"/>
+        <p14:creationId xmlns:p14="http://schemas.microsoft.com/office/powerpoint/2010/main" val="1970251205"/>
       </p:ext>
     </p:extLst>
   </p:cSld>
@@ -765,7 +764,7 @@
     </p:spTree>
     <p:extLst>
       <p:ext uri="{BB962C8B-B14F-4D97-AF65-F5344CB8AC3E}">
-        <p14:creationId xmlns:p14="http://schemas.microsoft.com/office/powerpoint/2010/main" val="1970251205"/>
+        <p14:creationId xmlns:p14="http://schemas.microsoft.com/office/powerpoint/2010/main" val="2048012231"/>
       </p:ext>
     </p:extLst>
   </p:cSld>
@@ -849,7 +848,7 @@
     </p:spTree>
     <p:extLst>
       <p:ext uri="{BB962C8B-B14F-4D97-AF65-F5344CB8AC3E}">
-        <p14:creationId xmlns:p14="http://schemas.microsoft.com/office/powerpoint/2010/main" val="2048012231"/>
+        <p14:creationId xmlns:p14="http://schemas.microsoft.com/office/powerpoint/2010/main" val="1326806954"/>
       </p:ext>
     </p:extLst>
   </p:cSld>
@@ -924,91 +923,7 @@
           <a:p>
             <a:fld id="{5993AEC0-242E-4FA7-9D3C-51E1036AC3CB}" type="slidenum">
               <a:rPr lang="es-MX" smtClean="0"/>
-              <a:t>27</a:t>
-            </a:fld>
-            <a:endParaRPr lang="es-MX" dirty="0"/>
-          </a:p>
-        </p:txBody>
-      </p:sp>
-    </p:spTree>
-    <p:extLst>
-      <p:ext uri="{BB962C8B-B14F-4D97-AF65-F5344CB8AC3E}">
-        <p14:creationId xmlns:p14="http://schemas.microsoft.com/office/powerpoint/2010/main" val="1326806954"/>
-      </p:ext>
-    </p:extLst>
-  </p:cSld>
-  <p:clrMapOvr>
-    <a:masterClrMapping/>
-  </p:clrMapOvr>
-</p:notes>
-</file>
-
-<file path=ppt/notesSlides/notesSlide14.xml><?xml version="1.0" encoding="utf-8"?>
-<p:notes xmlns:a="http://schemas.openxmlformats.org/drawingml/2006/main" xmlns:r="http://schemas.openxmlformats.org/officeDocument/2006/relationships" xmlns:p="http://schemas.openxmlformats.org/presentationml/2006/main">
-  <p:cSld>
-    <p:spTree>
-      <p:nvGrpSpPr>
-        <p:cNvPr id="1" name=""/>
-        <p:cNvGrpSpPr/>
-        <p:nvPr/>
-      </p:nvGrpSpPr>
-      <p:grpSpPr>
-        <a:xfrm>
-          <a:off x="0" y="0"/>
-          <a:ext cx="0" cy="0"/>
-          <a:chOff x="0" y="0"/>
-          <a:chExt cx="0" cy="0"/>
-        </a:xfrm>
-      </p:grpSpPr>
-      <p:sp>
-        <p:nvSpPr>
-          <p:cNvPr id="2" name="Marcador de imagen de diapositiva 1"/>
-          <p:cNvSpPr>
-            <a:spLocks noGrp="1" noRot="1" noChangeAspect="1"/>
-          </p:cNvSpPr>
-          <p:nvPr>
-            <p:ph type="sldImg"/>
-          </p:nvPr>
-        </p:nvSpPr>
-        <p:spPr/>
-      </p:sp>
-      <p:sp>
-        <p:nvSpPr>
-          <p:cNvPr id="3" name="Marcador de notas 2"/>
-          <p:cNvSpPr>
-            <a:spLocks noGrp="1"/>
-          </p:cNvSpPr>
-          <p:nvPr>
-            <p:ph type="body" idx="1"/>
-          </p:nvPr>
-        </p:nvSpPr>
-        <p:spPr/>
-        <p:txBody>
-          <a:bodyPr/>
-          <a:lstStyle/>
-          <a:p>
-            <a:endParaRPr lang="es-MX" dirty="0"/>
-          </a:p>
-        </p:txBody>
-      </p:sp>
-      <p:sp>
-        <p:nvSpPr>
-          <p:cNvPr id="4" name="Marcador de número de diapositiva 3"/>
-          <p:cNvSpPr>
-            <a:spLocks noGrp="1"/>
-          </p:cNvSpPr>
-          <p:nvPr>
-            <p:ph type="sldNum" sz="quarter" idx="10"/>
-          </p:nvPr>
-        </p:nvSpPr>
-        <p:spPr/>
-        <p:txBody>
-          <a:bodyPr/>
-          <a:lstStyle/>
-          <a:p>
-            <a:fld id="{5993AEC0-242E-4FA7-9D3C-51E1036AC3CB}" type="slidenum">
-              <a:rPr lang="es-MX" smtClean="0"/>
-              <a:t>31</a:t>
+              <a:t>30</a:t>
             </a:fld>
             <a:endParaRPr lang="es-MX" dirty="0"/>
           </a:p>
@@ -1027,7 +942,7 @@
 </p:notes>
 </file>
 
-<file path=ppt/notesSlides/notesSlide15.xml><?xml version="1.0" encoding="utf-8"?>
+<file path=ppt/notesSlides/notesSlide14.xml><?xml version="1.0" encoding="utf-8"?>
 <p:notes xmlns:a="http://schemas.openxmlformats.org/drawingml/2006/main" xmlns:r="http://schemas.openxmlformats.org/officeDocument/2006/relationships" xmlns:p="http://schemas.openxmlformats.org/presentationml/2006/main">
   <p:cSld>
     <p:spTree>
@@ -1259,6 +1174,257 @@
             <a:fld id="{6DF19FD2-63AD-48FF-B270-1A51F2E9F473}" type="slidenum">
               <a:rPr lang="es-MX" sz="1200" smtClean="0"/>
               <a:pPr/>
+              <a:t>33</a:t>
+            </a:fld>
+            <a:endParaRPr lang="es-MX" sz="1200"/>
+          </a:p>
+        </p:txBody>
+      </p:sp>
+    </p:spTree>
+    <p:extLst>
+      <p:ext uri="{BB962C8B-B14F-4D97-AF65-F5344CB8AC3E}">
+        <p14:creationId xmlns:p14="http://schemas.microsoft.com/office/powerpoint/2010/main" val="2444941450"/>
+      </p:ext>
+    </p:extLst>
+  </p:cSld>
+  <p:clrMapOvr>
+    <a:masterClrMapping/>
+  </p:clrMapOvr>
+</p:notes>
+</file>
+
+<file path=ppt/notesSlides/notesSlide15.xml><?xml version="1.0" encoding="utf-8"?>
+<p:notes xmlns:a="http://schemas.openxmlformats.org/drawingml/2006/main" xmlns:r="http://schemas.openxmlformats.org/officeDocument/2006/relationships" xmlns:p="http://schemas.openxmlformats.org/presentationml/2006/main">
+  <p:cSld>
+    <p:spTree>
+      <p:nvGrpSpPr>
+        <p:cNvPr id="1" name=""/>
+        <p:cNvGrpSpPr/>
+        <p:nvPr/>
+      </p:nvGrpSpPr>
+      <p:grpSpPr>
+        <a:xfrm>
+          <a:off x="0" y="0"/>
+          <a:ext cx="0" cy="0"/>
+          <a:chOff x="0" y="0"/>
+          <a:chExt cx="0" cy="0"/>
+        </a:xfrm>
+      </p:grpSpPr>
+      <p:sp>
+        <p:nvSpPr>
+          <p:cNvPr id="29698" name="1 Marcador de imagen de diapositiva"/>
+          <p:cNvSpPr>
+            <a:spLocks noGrp="1" noRot="1" noChangeAspect="1" noTextEdit="1"/>
+          </p:cNvSpPr>
+          <p:nvPr>
+            <p:ph type="sldImg"/>
+          </p:nvPr>
+        </p:nvSpPr>
+        <p:spPr bwMode="auto">
+          <a:noFill/>
+          <a:ln>
+            <a:solidFill>
+              <a:srgbClr val="000000"/>
+            </a:solidFill>
+            <a:miter lim="800000"/>
+            <a:headEnd/>
+            <a:tailEnd/>
+          </a:ln>
+          <a:extLst>
+            <a:ext uri="{909E8E84-426E-40DD-AFC4-6F175D3DCCD1}">
+              <a14:hiddenFill xmlns:a14="http://schemas.microsoft.com/office/drawing/2010/main">
+                <a:solidFill>
+                  <a:srgbClr val="FFFFFF"/>
+                </a:solidFill>
+              </a14:hiddenFill>
+            </a:ext>
+          </a:extLst>
+        </p:spPr>
+      </p:sp>
+      <p:sp>
+        <p:nvSpPr>
+          <p:cNvPr id="29699" name="2 Marcador de notas"/>
+          <p:cNvSpPr>
+            <a:spLocks noGrp="1"/>
+          </p:cNvSpPr>
+          <p:nvPr>
+            <p:ph type="body" idx="1"/>
+          </p:nvPr>
+        </p:nvSpPr>
+        <p:spPr bwMode="auto">
+          <a:noFill/>
+          <a:extLst>
+            <a:ext uri="{909E8E84-426E-40DD-AFC4-6F175D3DCCD1}">
+              <a14:hiddenFill xmlns:a14="http://schemas.microsoft.com/office/drawing/2010/main">
+                <a:solidFill>
+                  <a:srgbClr val="FFFFFF"/>
+                </a:solidFill>
+              </a14:hiddenFill>
+            </a:ext>
+            <a:ext uri="{91240B29-F687-4F45-9708-019B960494DF}">
+              <a14:hiddenLine xmlns:a14="http://schemas.microsoft.com/office/drawing/2010/main" w="9525">
+                <a:solidFill>
+                  <a:srgbClr val="000000"/>
+                </a:solidFill>
+                <a:miter lim="800000"/>
+                <a:headEnd/>
+                <a:tailEnd/>
+              </a14:hiddenLine>
+            </a:ext>
+          </a:extLst>
+        </p:spPr>
+        <p:txBody>
+          <a:bodyPr wrap="square" numCol="1" anchor="t" anchorCtr="0" compatLnSpc="1">
+            <a:prstTxWarp prst="textNoShape">
+              <a:avLst/>
+            </a:prstTxWarp>
+          </a:bodyPr>
+          <a:lstStyle/>
+          <a:p>
+            <a:endParaRPr lang="es-MX" dirty="0"/>
+          </a:p>
+        </p:txBody>
+      </p:sp>
+      <p:sp>
+        <p:nvSpPr>
+          <p:cNvPr id="29700" name="3 Marcador de número de diapositiva"/>
+          <p:cNvSpPr>
+            <a:spLocks noGrp="1"/>
+          </p:cNvSpPr>
+          <p:nvPr>
+            <p:ph type="sldNum" sz="quarter" idx="5"/>
+          </p:nvPr>
+        </p:nvSpPr>
+        <p:spPr bwMode="auto">
+          <a:noFill/>
+          <a:extLst>
+            <a:ext uri="{909E8E84-426E-40DD-AFC4-6F175D3DCCD1}">
+              <a14:hiddenFill xmlns:a14="http://schemas.microsoft.com/office/drawing/2010/main">
+                <a:solidFill>
+                  <a:srgbClr val="FFFFFF"/>
+                </a:solidFill>
+              </a14:hiddenFill>
+            </a:ext>
+            <a:ext uri="{91240B29-F687-4F45-9708-019B960494DF}">
+              <a14:hiddenLine xmlns:a14="http://schemas.microsoft.com/office/drawing/2010/main" w="9525">
+                <a:solidFill>
+                  <a:srgbClr val="000000"/>
+                </a:solidFill>
+                <a:miter lim="800000"/>
+                <a:headEnd/>
+                <a:tailEnd/>
+              </a14:hiddenLine>
+            </a:ext>
+          </a:extLst>
+        </p:spPr>
+        <p:txBody>
+          <a:bodyPr wrap="square" numCol="1" anchorCtr="0" compatLnSpc="1">
+            <a:prstTxWarp prst="textNoShape">
+              <a:avLst/>
+            </a:prstTxWarp>
+          </a:bodyPr>
+          <a:lstStyle>
+            <a:lvl1pPr>
+              <a:defRPr sz="1600">
+                <a:solidFill>
+                  <a:schemeClr val="tx1"/>
+                </a:solidFill>
+                <a:latin typeface="Times New Roman" pitchFamily="18" charset="0"/>
+              </a:defRPr>
+            </a:lvl1pPr>
+            <a:lvl2pPr marL="742950" indent="-285750">
+              <a:defRPr sz="1600">
+                <a:solidFill>
+                  <a:schemeClr val="tx1"/>
+                </a:solidFill>
+                <a:latin typeface="Times New Roman" pitchFamily="18" charset="0"/>
+              </a:defRPr>
+            </a:lvl2pPr>
+            <a:lvl3pPr marL="1143000" indent="-228600">
+              <a:defRPr sz="1600">
+                <a:solidFill>
+                  <a:schemeClr val="tx1"/>
+                </a:solidFill>
+                <a:latin typeface="Times New Roman" pitchFamily="18" charset="0"/>
+              </a:defRPr>
+            </a:lvl3pPr>
+            <a:lvl4pPr marL="1600200" indent="-228600">
+              <a:defRPr sz="1600">
+                <a:solidFill>
+                  <a:schemeClr val="tx1"/>
+                </a:solidFill>
+                <a:latin typeface="Times New Roman" pitchFamily="18" charset="0"/>
+              </a:defRPr>
+            </a:lvl4pPr>
+            <a:lvl5pPr marL="2057400" indent="-228600">
+              <a:defRPr sz="1600">
+                <a:solidFill>
+                  <a:schemeClr val="tx1"/>
+                </a:solidFill>
+                <a:latin typeface="Times New Roman" pitchFamily="18" charset="0"/>
+              </a:defRPr>
+            </a:lvl5pPr>
+            <a:lvl6pPr marL="2514600" indent="-228600" eaLnBrk="0" fontAlgn="base" hangingPunct="0">
+              <a:spcBef>
+                <a:spcPct val="0"/>
+              </a:spcBef>
+              <a:spcAft>
+                <a:spcPct val="0"/>
+              </a:spcAft>
+              <a:defRPr sz="1600">
+                <a:solidFill>
+                  <a:schemeClr val="tx1"/>
+                </a:solidFill>
+                <a:latin typeface="Times New Roman" pitchFamily="18" charset="0"/>
+              </a:defRPr>
+            </a:lvl6pPr>
+            <a:lvl7pPr marL="2971800" indent="-228600" eaLnBrk="0" fontAlgn="base" hangingPunct="0">
+              <a:spcBef>
+                <a:spcPct val="0"/>
+              </a:spcBef>
+              <a:spcAft>
+                <a:spcPct val="0"/>
+              </a:spcAft>
+              <a:defRPr sz="1600">
+                <a:solidFill>
+                  <a:schemeClr val="tx1"/>
+                </a:solidFill>
+                <a:latin typeface="Times New Roman" pitchFamily="18" charset="0"/>
+              </a:defRPr>
+            </a:lvl7pPr>
+            <a:lvl8pPr marL="3429000" indent="-228600" eaLnBrk="0" fontAlgn="base" hangingPunct="0">
+              <a:spcBef>
+                <a:spcPct val="0"/>
+              </a:spcBef>
+              <a:spcAft>
+                <a:spcPct val="0"/>
+              </a:spcAft>
+              <a:defRPr sz="1600">
+                <a:solidFill>
+                  <a:schemeClr val="tx1"/>
+                </a:solidFill>
+                <a:latin typeface="Times New Roman" pitchFamily="18" charset="0"/>
+              </a:defRPr>
+            </a:lvl8pPr>
+            <a:lvl9pPr marL="3886200" indent="-228600" eaLnBrk="0" fontAlgn="base" hangingPunct="0">
+              <a:spcBef>
+                <a:spcPct val="0"/>
+              </a:spcBef>
+              <a:spcAft>
+                <a:spcPct val="0"/>
+              </a:spcAft>
+              <a:defRPr sz="1600">
+                <a:solidFill>
+                  <a:schemeClr val="tx1"/>
+                </a:solidFill>
+                <a:latin typeface="Times New Roman" pitchFamily="18" charset="0"/>
+              </a:defRPr>
+            </a:lvl9pPr>
+          </a:lstStyle>
+          <a:p>
+            <a:fld id="{F0CF0E7D-84F1-47C4-901B-B3C03DF6C81C}" type="slidenum">
+              <a:rPr lang="es-MX" sz="1200" smtClean="0"/>
+              <a:pPr/>
               <a:t>34</a:t>
             </a:fld>
             <a:endParaRPr lang="es-MX" sz="1200"/>
@@ -1268,7 +1434,7 @@
     </p:spTree>
     <p:extLst>
       <p:ext uri="{BB962C8B-B14F-4D97-AF65-F5344CB8AC3E}">
-        <p14:creationId xmlns:p14="http://schemas.microsoft.com/office/powerpoint/2010/main" val="2444941450"/>
+        <p14:creationId xmlns:p14="http://schemas.microsoft.com/office/powerpoint/2010/main" val="1837371948"/>
       </p:ext>
     </p:extLst>
   </p:cSld>
@@ -1519,7 +1685,7 @@
     </p:spTree>
     <p:extLst>
       <p:ext uri="{BB962C8B-B14F-4D97-AF65-F5344CB8AC3E}">
-        <p14:creationId xmlns:p14="http://schemas.microsoft.com/office/powerpoint/2010/main" val="1837371948"/>
+        <p14:creationId xmlns:p14="http://schemas.microsoft.com/office/powerpoint/2010/main" val="2269206655"/>
       </p:ext>
     </p:extLst>
   </p:cSld>
@@ -1548,19 +1714,52 @@
       </p:grpSpPr>
       <p:sp>
         <p:nvSpPr>
-          <p:cNvPr id="29698" name="1 Marcador de imagen de diapositiva"/>
+          <p:cNvPr id="7" name="Rectangle 7"/>
           <p:cNvSpPr>
-            <a:spLocks noGrp="1" noRot="1" noChangeAspect="1" noTextEdit="1"/>
+            <a:spLocks noGrp="1" noChangeArrowheads="1"/>
+          </p:cNvSpPr>
+          <p:nvPr>
+            <p:ph type="sldNum" sz="quarter" idx="5"/>
+          </p:nvPr>
+        </p:nvSpPr>
+        <p:spPr>
+          <a:ln/>
+        </p:spPr>
+        <p:txBody>
+          <a:bodyPr/>
+          <a:lstStyle/>
+          <a:p>
+            <a:fld id="{461FA8A8-0B68-42C8-B46C-FDD8B45D9C86}" type="slidenum">
+              <a:rPr lang="es-ES" altLang="es-MX"/>
+              <a:pPr/>
+              <a:t>43</a:t>
+            </a:fld>
+            <a:endParaRPr lang="es-ES" altLang="es-MX"/>
+          </a:p>
+        </p:txBody>
+      </p:sp>
+      <p:sp>
+        <p:nvSpPr>
+          <p:cNvPr id="593922" name="Rectangle 2"/>
+          <p:cNvSpPr>
+            <a:spLocks noGrp="1" noRot="1" noChangeAspect="1" noChangeArrowheads="1"/>
           </p:cNvSpPr>
           <p:nvPr>
             <p:ph type="sldImg"/>
           </p:nvPr>
         </p:nvSpPr>
         <p:spPr bwMode="auto">
+          <a:xfrm>
+            <a:off x="1138238" y="695325"/>
+            <a:ext cx="4583112" cy="3436938"/>
+          </a:xfrm>
+          <a:prstGeom prst="rect">
+            <a:avLst/>
+          </a:prstGeom>
           <a:noFill/>
-          <a:ln>
+          <a:ln w="12700" cap="flat">
             <a:solidFill>
-              <a:srgbClr val="000000"/>
+              <a:schemeClr val="tx1"/>
             </a:solidFill>
             <a:miter lim="800000"/>
             <a:headEnd/>
@@ -1574,21 +1773,38 @@
                 </a:solidFill>
               </a14:hiddenFill>
             </a:ext>
+            <a:ext uri="{AF507438-7753-43E0-B8FC-AC1667EBCBE1}">
+              <a14:hiddenEffects xmlns:a14="http://schemas.microsoft.com/office/drawing/2010/main">
+                <a:effectLst>
+                  <a:outerShdw dist="35921" dir="2700000" algn="ctr" rotWithShape="0">
+                    <a:srgbClr val="808080"/>
+                  </a:outerShdw>
+                </a:effectLst>
+              </a14:hiddenEffects>
+            </a:ext>
           </a:extLst>
         </p:spPr>
       </p:sp>
       <p:sp>
         <p:nvSpPr>
-          <p:cNvPr id="29699" name="2 Marcador de notas"/>
+          <p:cNvPr id="593923" name="Rectangle 3"/>
           <p:cNvSpPr>
-            <a:spLocks noGrp="1"/>
+            <a:spLocks noGrp="1" noChangeArrowheads="1"/>
           </p:cNvSpPr>
           <p:nvPr>
             <p:ph type="body" idx="1"/>
           </p:nvPr>
         </p:nvSpPr>
         <p:spPr bwMode="auto">
+          <a:xfrm>
+            <a:off x="914400" y="4370388"/>
+            <a:ext cx="5029200" cy="4138612"/>
+          </a:xfrm>
+          <a:prstGeom prst="rect">
+            <a:avLst/>
+          </a:prstGeom>
           <a:noFill/>
+          <a:ln/>
           <a:extLst>
             <a:ext uri="{909E8E84-426E-40DD-AFC4-6F175D3DCCD1}">
               <a14:hiddenFill xmlns:a14="http://schemas.microsoft.com/office/drawing/2010/main">
@@ -1607,170 +1823,29 @@
                 <a:tailEnd/>
               </a14:hiddenLine>
             </a:ext>
-          </a:extLst>
-        </p:spPr>
-        <p:txBody>
-          <a:bodyPr wrap="square" numCol="1" anchor="t" anchorCtr="0" compatLnSpc="1">
-            <a:prstTxWarp prst="textNoShape">
-              <a:avLst/>
-            </a:prstTxWarp>
-          </a:bodyPr>
-          <a:lstStyle/>
-          <a:p>
-            <a:endParaRPr lang="es-MX" dirty="0"/>
-          </a:p>
-        </p:txBody>
-      </p:sp>
-      <p:sp>
-        <p:nvSpPr>
-          <p:cNvPr id="29700" name="3 Marcador de número de diapositiva"/>
-          <p:cNvSpPr>
-            <a:spLocks noGrp="1"/>
-          </p:cNvSpPr>
-          <p:nvPr>
-            <p:ph type="sldNum" sz="quarter" idx="5"/>
-          </p:nvPr>
-        </p:nvSpPr>
-        <p:spPr bwMode="auto">
-          <a:noFill/>
-          <a:extLst>
-            <a:ext uri="{909E8E84-426E-40DD-AFC4-6F175D3DCCD1}">
-              <a14:hiddenFill xmlns:a14="http://schemas.microsoft.com/office/drawing/2010/main">
-                <a:solidFill>
-                  <a:srgbClr val="FFFFFF"/>
-                </a:solidFill>
-              </a14:hiddenFill>
-            </a:ext>
-            <a:ext uri="{91240B29-F687-4F45-9708-019B960494DF}">
-              <a14:hiddenLine xmlns:a14="http://schemas.microsoft.com/office/drawing/2010/main" w="9525">
-                <a:solidFill>
-                  <a:srgbClr val="000000"/>
-                </a:solidFill>
-                <a:miter lim="800000"/>
-                <a:headEnd/>
-                <a:tailEnd/>
-              </a14:hiddenLine>
+            <a:ext uri="{AF507438-7753-43E0-B8FC-AC1667EBCBE1}">
+              <a14:hiddenEffects xmlns:a14="http://schemas.microsoft.com/office/drawing/2010/main">
+                <a:effectLst>
+                  <a:outerShdw dist="35921" dir="2700000" algn="ctr" rotWithShape="0">
+                    <a:srgbClr val="808080"/>
+                  </a:outerShdw>
+                </a:effectLst>
+              </a14:hiddenEffects>
             </a:ext>
           </a:extLst>
         </p:spPr>
         <p:txBody>
-          <a:bodyPr wrap="square" numCol="1" anchorCtr="0" compatLnSpc="1">
-            <a:prstTxWarp prst="textNoShape">
-              <a:avLst/>
-            </a:prstTxWarp>
-          </a:bodyPr>
-          <a:lstStyle>
-            <a:lvl1pPr>
-              <a:defRPr sz="1600">
-                <a:solidFill>
-                  <a:schemeClr val="tx1"/>
-                </a:solidFill>
-                <a:latin typeface="Times New Roman" pitchFamily="18" charset="0"/>
-              </a:defRPr>
-            </a:lvl1pPr>
-            <a:lvl2pPr marL="742950" indent="-285750">
-              <a:defRPr sz="1600">
-                <a:solidFill>
-                  <a:schemeClr val="tx1"/>
-                </a:solidFill>
-                <a:latin typeface="Times New Roman" pitchFamily="18" charset="0"/>
-              </a:defRPr>
-            </a:lvl2pPr>
-            <a:lvl3pPr marL="1143000" indent="-228600">
-              <a:defRPr sz="1600">
-                <a:solidFill>
-                  <a:schemeClr val="tx1"/>
-                </a:solidFill>
-                <a:latin typeface="Times New Roman" pitchFamily="18" charset="0"/>
-              </a:defRPr>
-            </a:lvl3pPr>
-            <a:lvl4pPr marL="1600200" indent="-228600">
-              <a:defRPr sz="1600">
-                <a:solidFill>
-                  <a:schemeClr val="tx1"/>
-                </a:solidFill>
-                <a:latin typeface="Times New Roman" pitchFamily="18" charset="0"/>
-              </a:defRPr>
-            </a:lvl4pPr>
-            <a:lvl5pPr marL="2057400" indent="-228600">
-              <a:defRPr sz="1600">
-                <a:solidFill>
-                  <a:schemeClr val="tx1"/>
-                </a:solidFill>
-                <a:latin typeface="Times New Roman" pitchFamily="18" charset="0"/>
-              </a:defRPr>
-            </a:lvl5pPr>
-            <a:lvl6pPr marL="2514600" indent="-228600" eaLnBrk="0" fontAlgn="base" hangingPunct="0">
-              <a:spcBef>
-                <a:spcPct val="0"/>
-              </a:spcBef>
-              <a:spcAft>
-                <a:spcPct val="0"/>
-              </a:spcAft>
-              <a:defRPr sz="1600">
-                <a:solidFill>
-                  <a:schemeClr val="tx1"/>
-                </a:solidFill>
-                <a:latin typeface="Times New Roman" pitchFamily="18" charset="0"/>
-              </a:defRPr>
-            </a:lvl6pPr>
-            <a:lvl7pPr marL="2971800" indent="-228600" eaLnBrk="0" fontAlgn="base" hangingPunct="0">
-              <a:spcBef>
-                <a:spcPct val="0"/>
-              </a:spcBef>
-              <a:spcAft>
-                <a:spcPct val="0"/>
-              </a:spcAft>
-              <a:defRPr sz="1600">
-                <a:solidFill>
-                  <a:schemeClr val="tx1"/>
-                </a:solidFill>
-                <a:latin typeface="Times New Roman" pitchFamily="18" charset="0"/>
-              </a:defRPr>
-            </a:lvl7pPr>
-            <a:lvl8pPr marL="3429000" indent="-228600" eaLnBrk="0" fontAlgn="base" hangingPunct="0">
-              <a:spcBef>
-                <a:spcPct val="0"/>
-              </a:spcBef>
-              <a:spcAft>
-                <a:spcPct val="0"/>
-              </a:spcAft>
-              <a:defRPr sz="1600">
-                <a:solidFill>
-                  <a:schemeClr val="tx1"/>
-                </a:solidFill>
-                <a:latin typeface="Times New Roman" pitchFamily="18" charset="0"/>
-              </a:defRPr>
-            </a:lvl8pPr>
-            <a:lvl9pPr marL="3886200" indent="-228600" eaLnBrk="0" fontAlgn="base" hangingPunct="0">
-              <a:spcBef>
-                <a:spcPct val="0"/>
-              </a:spcBef>
-              <a:spcAft>
-                <a:spcPct val="0"/>
-              </a:spcAft>
-              <a:defRPr sz="1600">
-                <a:solidFill>
-                  <a:schemeClr val="tx1"/>
-                </a:solidFill>
-                <a:latin typeface="Times New Roman" pitchFamily="18" charset="0"/>
-              </a:defRPr>
-            </a:lvl9pPr>
-          </a:lstStyle>
+          <a:bodyPr lIns="92341" tIns="46953" rIns="92341" bIns="46953"/>
+          <a:lstStyle/>
           <a:p>
-            <a:fld id="{F0CF0E7D-84F1-47C4-901B-B3C03DF6C81C}" type="slidenum">
-              <a:rPr lang="es-MX" sz="1200" smtClean="0"/>
-              <a:pPr/>
-              <a:t>36</a:t>
-            </a:fld>
-            <a:endParaRPr lang="es-MX" sz="1200"/>
+            <a:endParaRPr lang="es-ES" altLang="es-MX"/>
           </a:p>
         </p:txBody>
       </p:sp>
     </p:spTree>
     <p:extLst>
       <p:ext uri="{BB962C8B-B14F-4D97-AF65-F5344CB8AC3E}">
-        <p14:creationId xmlns:p14="http://schemas.microsoft.com/office/powerpoint/2010/main" val="2269206655"/>
+        <p14:creationId xmlns:p14="http://schemas.microsoft.com/office/powerpoint/2010/main" val="3878821087"/>
       </p:ext>
     </p:extLst>
   </p:cSld>
@@ -1814,170 +1889,10 @@
           <a:bodyPr/>
           <a:lstStyle/>
           <a:p>
-            <a:fld id="{461FA8A8-0B68-42C8-B46C-FDD8B45D9C86}" type="slidenum">
+            <a:fld id="{02C37E12-7BA8-4D7D-97C4-7447F658F427}" type="slidenum">
               <a:rPr lang="es-ES" altLang="es-MX"/>
               <a:pPr/>
               <a:t>44</a:t>
-            </a:fld>
-            <a:endParaRPr lang="es-ES" altLang="es-MX"/>
-          </a:p>
-        </p:txBody>
-      </p:sp>
-      <p:sp>
-        <p:nvSpPr>
-          <p:cNvPr id="593922" name="Rectangle 2"/>
-          <p:cNvSpPr>
-            <a:spLocks noGrp="1" noRot="1" noChangeAspect="1" noChangeArrowheads="1"/>
-          </p:cNvSpPr>
-          <p:nvPr>
-            <p:ph type="sldImg"/>
-          </p:nvPr>
-        </p:nvSpPr>
-        <p:spPr bwMode="auto">
-          <a:xfrm>
-            <a:off x="1138238" y="695325"/>
-            <a:ext cx="4583112" cy="3436938"/>
-          </a:xfrm>
-          <a:prstGeom prst="rect">
-            <a:avLst/>
-          </a:prstGeom>
-          <a:noFill/>
-          <a:ln w="12700" cap="flat">
-            <a:solidFill>
-              <a:schemeClr val="tx1"/>
-            </a:solidFill>
-            <a:miter lim="800000"/>
-            <a:headEnd/>
-            <a:tailEnd/>
-          </a:ln>
-          <a:extLst>
-            <a:ext uri="{909E8E84-426E-40DD-AFC4-6F175D3DCCD1}">
-              <a14:hiddenFill xmlns:a14="http://schemas.microsoft.com/office/drawing/2010/main">
-                <a:solidFill>
-                  <a:srgbClr val="FFFFFF"/>
-                </a:solidFill>
-              </a14:hiddenFill>
-            </a:ext>
-            <a:ext uri="{AF507438-7753-43E0-B8FC-AC1667EBCBE1}">
-              <a14:hiddenEffects xmlns:a14="http://schemas.microsoft.com/office/drawing/2010/main">
-                <a:effectLst>
-                  <a:outerShdw dist="35921" dir="2700000" algn="ctr" rotWithShape="0">
-                    <a:srgbClr val="808080"/>
-                  </a:outerShdw>
-                </a:effectLst>
-              </a14:hiddenEffects>
-            </a:ext>
-          </a:extLst>
-        </p:spPr>
-      </p:sp>
-      <p:sp>
-        <p:nvSpPr>
-          <p:cNvPr id="593923" name="Rectangle 3"/>
-          <p:cNvSpPr>
-            <a:spLocks noGrp="1" noChangeArrowheads="1"/>
-          </p:cNvSpPr>
-          <p:nvPr>
-            <p:ph type="body" idx="1"/>
-          </p:nvPr>
-        </p:nvSpPr>
-        <p:spPr bwMode="auto">
-          <a:xfrm>
-            <a:off x="914400" y="4370388"/>
-            <a:ext cx="5029200" cy="4138612"/>
-          </a:xfrm>
-          <a:prstGeom prst="rect">
-            <a:avLst/>
-          </a:prstGeom>
-          <a:noFill/>
-          <a:ln/>
-          <a:extLst>
-            <a:ext uri="{909E8E84-426E-40DD-AFC4-6F175D3DCCD1}">
-              <a14:hiddenFill xmlns:a14="http://schemas.microsoft.com/office/drawing/2010/main">
-                <a:solidFill>
-                  <a:srgbClr val="FFFFFF"/>
-                </a:solidFill>
-              </a14:hiddenFill>
-            </a:ext>
-            <a:ext uri="{91240B29-F687-4F45-9708-019B960494DF}">
-              <a14:hiddenLine xmlns:a14="http://schemas.microsoft.com/office/drawing/2010/main" w="9525">
-                <a:solidFill>
-                  <a:srgbClr val="000000"/>
-                </a:solidFill>
-                <a:miter lim="800000"/>
-                <a:headEnd/>
-                <a:tailEnd/>
-              </a14:hiddenLine>
-            </a:ext>
-            <a:ext uri="{AF507438-7753-43E0-B8FC-AC1667EBCBE1}">
-              <a14:hiddenEffects xmlns:a14="http://schemas.microsoft.com/office/drawing/2010/main">
-                <a:effectLst>
-                  <a:outerShdw dist="35921" dir="2700000" algn="ctr" rotWithShape="0">
-                    <a:srgbClr val="808080"/>
-                  </a:outerShdw>
-                </a:effectLst>
-              </a14:hiddenEffects>
-            </a:ext>
-          </a:extLst>
-        </p:spPr>
-        <p:txBody>
-          <a:bodyPr lIns="92341" tIns="46953" rIns="92341" bIns="46953"/>
-          <a:lstStyle/>
-          <a:p>
-            <a:endParaRPr lang="es-ES" altLang="es-MX"/>
-          </a:p>
-        </p:txBody>
-      </p:sp>
-    </p:spTree>
-    <p:extLst>
-      <p:ext uri="{BB962C8B-B14F-4D97-AF65-F5344CB8AC3E}">
-        <p14:creationId xmlns:p14="http://schemas.microsoft.com/office/powerpoint/2010/main" val="3878821087"/>
-      </p:ext>
-    </p:extLst>
-  </p:cSld>
-  <p:clrMapOvr>
-    <a:masterClrMapping/>
-  </p:clrMapOvr>
-</p:notes>
-</file>
-
-<file path=ppt/notesSlides/notesSlide19.xml><?xml version="1.0" encoding="utf-8"?>
-<p:notes xmlns:a="http://schemas.openxmlformats.org/drawingml/2006/main" xmlns:r="http://schemas.openxmlformats.org/officeDocument/2006/relationships" xmlns:p="http://schemas.openxmlformats.org/presentationml/2006/main">
-  <p:cSld>
-    <p:spTree>
-      <p:nvGrpSpPr>
-        <p:cNvPr id="1" name=""/>
-        <p:cNvGrpSpPr/>
-        <p:nvPr/>
-      </p:nvGrpSpPr>
-      <p:grpSpPr>
-        <a:xfrm>
-          <a:off x="0" y="0"/>
-          <a:ext cx="0" cy="0"/>
-          <a:chOff x="0" y="0"/>
-          <a:chExt cx="0" cy="0"/>
-        </a:xfrm>
-      </p:grpSpPr>
-      <p:sp>
-        <p:nvSpPr>
-          <p:cNvPr id="7" name="Rectangle 7"/>
-          <p:cNvSpPr>
-            <a:spLocks noGrp="1" noChangeArrowheads="1"/>
-          </p:cNvSpPr>
-          <p:nvPr>
-            <p:ph type="sldNum" sz="quarter" idx="5"/>
-          </p:nvPr>
-        </p:nvSpPr>
-        <p:spPr>
-          <a:ln/>
-        </p:spPr>
-        <p:txBody>
-          <a:bodyPr/>
-          <a:lstStyle/>
-          <a:p>
-            <a:fld id="{02C37E12-7BA8-4D7D-97C4-7447F658F427}" type="slidenum">
-              <a:rPr lang="es-ES" altLang="es-MX"/>
-              <a:pPr/>
-              <a:t>45</a:t>
             </a:fld>
             <a:endParaRPr lang="es-ES" altLang="es-MX"/>
           </a:p>
@@ -2455,38 +2370,19 @@
       </p:grpSpPr>
       <p:sp>
         <p:nvSpPr>
-          <p:cNvPr id="39938" name="1 Marcador de imagen de diapositiva"/>
+          <p:cNvPr id="2" name="Marcador de imagen de diapositiva 1"/>
           <p:cNvSpPr>
-            <a:spLocks noGrp="1" noRot="1" noChangeAspect="1" noTextEdit="1"/>
+            <a:spLocks noGrp="1" noRot="1" noChangeAspect="1"/>
           </p:cNvSpPr>
           <p:nvPr>
             <p:ph type="sldImg"/>
           </p:nvPr>
         </p:nvSpPr>
-        <p:spPr bwMode="auto">
-          <a:noFill/>
-          <a:ln>
-            <a:solidFill>
-              <a:srgbClr val="000000"/>
-            </a:solidFill>
-            <a:miter lim="800000"/>
-            <a:headEnd/>
-            <a:tailEnd/>
-          </a:ln>
-          <a:extLst>
-            <a:ext uri="{909E8E84-426E-40DD-AFC4-6F175D3DCCD1}">
-              <a14:hiddenFill xmlns:a14="http://schemas.microsoft.com/office/drawing/2010/main">
-                <a:solidFill>
-                  <a:srgbClr val="FFFFFF"/>
-                </a:solidFill>
-              </a14:hiddenFill>
-            </a:ext>
-          </a:extLst>
-        </p:spPr>
+        <p:spPr/>
       </p:sp>
       <p:sp>
         <p:nvSpPr>
-          <p:cNvPr id="39939" name="2 Marcador de notas"/>
+          <p:cNvPr id="3" name="Marcador de notas 2"/>
           <p:cNvSpPr>
             <a:spLocks noGrp="1"/>
           </p:cNvSpPr>
@@ -2494,190 +2390,42 @@
             <p:ph type="body" idx="1"/>
           </p:nvPr>
         </p:nvSpPr>
-        <p:spPr bwMode="auto">
-          <a:noFill/>
-          <a:extLst>
-            <a:ext uri="{909E8E84-426E-40DD-AFC4-6F175D3DCCD1}">
-              <a14:hiddenFill xmlns:a14="http://schemas.microsoft.com/office/drawing/2010/main">
-                <a:solidFill>
-                  <a:srgbClr val="FFFFFF"/>
-                </a:solidFill>
-              </a14:hiddenFill>
-            </a:ext>
-            <a:ext uri="{91240B29-F687-4F45-9708-019B960494DF}">
-              <a14:hiddenLine xmlns:a14="http://schemas.microsoft.com/office/drawing/2010/main" w="9525">
-                <a:solidFill>
-                  <a:srgbClr val="000000"/>
-                </a:solidFill>
-                <a:miter lim="800000"/>
-                <a:headEnd/>
-                <a:tailEnd/>
-              </a14:hiddenLine>
-            </a:ext>
-          </a:extLst>
-        </p:spPr>
+        <p:spPr/>
         <p:txBody>
-          <a:bodyPr wrap="square" numCol="1" anchor="t" anchorCtr="0" compatLnSpc="1">
-            <a:prstTxWarp prst="textNoShape">
-              <a:avLst/>
-            </a:prstTxWarp>
-          </a:bodyPr>
+          <a:bodyPr/>
           <a:lstStyle/>
           <a:p>
-            <a:endParaRPr lang="es-MX"/>
+            <a:endParaRPr lang="es-MX" dirty="0"/>
           </a:p>
         </p:txBody>
       </p:sp>
       <p:sp>
         <p:nvSpPr>
-          <p:cNvPr id="39940" name="3 Marcador de número de diapositiva"/>
+          <p:cNvPr id="4" name="Marcador de número de diapositiva 3"/>
           <p:cNvSpPr>
             <a:spLocks noGrp="1"/>
           </p:cNvSpPr>
           <p:nvPr>
-            <p:ph type="sldNum" sz="quarter" idx="5"/>
+            <p:ph type="sldNum" sz="quarter" idx="10"/>
           </p:nvPr>
         </p:nvSpPr>
-        <p:spPr bwMode="auto">
-          <a:noFill/>
-          <a:extLst>
-            <a:ext uri="{909E8E84-426E-40DD-AFC4-6F175D3DCCD1}">
-              <a14:hiddenFill xmlns:a14="http://schemas.microsoft.com/office/drawing/2010/main">
-                <a:solidFill>
-                  <a:srgbClr val="FFFFFF"/>
-                </a:solidFill>
-              </a14:hiddenFill>
-            </a:ext>
-            <a:ext uri="{91240B29-F687-4F45-9708-019B960494DF}">
-              <a14:hiddenLine xmlns:a14="http://schemas.microsoft.com/office/drawing/2010/main" w="9525">
-                <a:solidFill>
-                  <a:srgbClr val="000000"/>
-                </a:solidFill>
-                <a:miter lim="800000"/>
-                <a:headEnd/>
-                <a:tailEnd/>
-              </a14:hiddenLine>
-            </a:ext>
-          </a:extLst>
-        </p:spPr>
+        <p:spPr/>
         <p:txBody>
-          <a:bodyPr wrap="square" numCol="1" anchorCtr="0" compatLnSpc="1">
-            <a:prstTxWarp prst="textNoShape">
-              <a:avLst/>
-            </a:prstTxWarp>
-          </a:bodyPr>
-          <a:lstStyle>
-            <a:lvl1pPr eaLnBrk="0" hangingPunct="0">
-              <a:defRPr sz="2400">
-                <a:solidFill>
-                  <a:schemeClr val="tx1"/>
-                </a:solidFill>
-                <a:latin typeface="Times New Roman" pitchFamily="18" charset="0"/>
-              </a:defRPr>
-            </a:lvl1pPr>
-            <a:lvl2pPr marL="752472" indent="-289412" eaLnBrk="0" hangingPunct="0">
-              <a:defRPr sz="2400">
-                <a:solidFill>
-                  <a:schemeClr val="tx1"/>
-                </a:solidFill>
-                <a:latin typeface="Times New Roman" pitchFamily="18" charset="0"/>
-              </a:defRPr>
-            </a:lvl2pPr>
-            <a:lvl3pPr marL="1157650" indent="-231530" eaLnBrk="0" hangingPunct="0">
-              <a:defRPr sz="2400">
-                <a:solidFill>
-                  <a:schemeClr val="tx1"/>
-                </a:solidFill>
-                <a:latin typeface="Times New Roman" pitchFamily="18" charset="0"/>
-              </a:defRPr>
-            </a:lvl3pPr>
-            <a:lvl4pPr marL="1620709" indent="-231530" eaLnBrk="0" hangingPunct="0">
-              <a:defRPr sz="2400">
-                <a:solidFill>
-                  <a:schemeClr val="tx1"/>
-                </a:solidFill>
-                <a:latin typeface="Times New Roman" pitchFamily="18" charset="0"/>
-              </a:defRPr>
-            </a:lvl4pPr>
-            <a:lvl5pPr marL="2083770" indent="-231530" eaLnBrk="0" hangingPunct="0">
-              <a:defRPr sz="2400">
-                <a:solidFill>
-                  <a:schemeClr val="tx1"/>
-                </a:solidFill>
-                <a:latin typeface="Times New Roman" pitchFamily="18" charset="0"/>
-              </a:defRPr>
-            </a:lvl5pPr>
-            <a:lvl6pPr marL="2546830" indent="-231530" eaLnBrk="0" fontAlgn="base" hangingPunct="0">
-              <a:spcBef>
-                <a:spcPct val="0"/>
-              </a:spcBef>
-              <a:spcAft>
-                <a:spcPct val="0"/>
-              </a:spcAft>
-              <a:defRPr sz="2400">
-                <a:solidFill>
-                  <a:schemeClr val="tx1"/>
-                </a:solidFill>
-                <a:latin typeface="Times New Roman" pitchFamily="18" charset="0"/>
-              </a:defRPr>
-            </a:lvl6pPr>
-            <a:lvl7pPr marL="3009889" indent="-231530" eaLnBrk="0" fontAlgn="base" hangingPunct="0">
-              <a:spcBef>
-                <a:spcPct val="0"/>
-              </a:spcBef>
-              <a:spcAft>
-                <a:spcPct val="0"/>
-              </a:spcAft>
-              <a:defRPr sz="2400">
-                <a:solidFill>
-                  <a:schemeClr val="tx1"/>
-                </a:solidFill>
-                <a:latin typeface="Times New Roman" pitchFamily="18" charset="0"/>
-              </a:defRPr>
-            </a:lvl7pPr>
-            <a:lvl8pPr marL="3472950" indent="-231530" eaLnBrk="0" fontAlgn="base" hangingPunct="0">
-              <a:spcBef>
-                <a:spcPct val="0"/>
-              </a:spcBef>
-              <a:spcAft>
-                <a:spcPct val="0"/>
-              </a:spcAft>
-              <a:defRPr sz="2400">
-                <a:solidFill>
-                  <a:schemeClr val="tx1"/>
-                </a:solidFill>
-                <a:latin typeface="Times New Roman" pitchFamily="18" charset="0"/>
-              </a:defRPr>
-            </a:lvl8pPr>
-            <a:lvl9pPr marL="3936009" indent="-231530" eaLnBrk="0" fontAlgn="base" hangingPunct="0">
-              <a:spcBef>
-                <a:spcPct val="0"/>
-              </a:spcBef>
-              <a:spcAft>
-                <a:spcPct val="0"/>
-              </a:spcAft>
-              <a:defRPr sz="2400">
-                <a:solidFill>
-                  <a:schemeClr val="tx1"/>
-                </a:solidFill>
-                <a:latin typeface="Times New Roman" pitchFamily="18" charset="0"/>
-              </a:defRPr>
-            </a:lvl9pPr>
-          </a:lstStyle>
+          <a:bodyPr/>
+          <a:lstStyle/>
           <a:p>
-            <a:fld id="{022A172D-A2AC-454B-8231-5ECE33CC273D}" type="slidenum">
-              <a:rPr lang="es-MX" sz="1200"/>
-              <a:pPr/>
-              <a:t>11</a:t>
+            <a:fld id="{5993AEC0-242E-4FA7-9D3C-51E1036AC3CB}" type="slidenum">
+              <a:rPr lang="es-MX" smtClean="0"/>
+              <a:t>18</a:t>
             </a:fld>
-            <a:endParaRPr lang="es-MX" sz="1200"/>
+            <a:endParaRPr lang="es-MX" dirty="0"/>
           </a:p>
         </p:txBody>
       </p:sp>
     </p:spTree>
     <p:extLst>
       <p:ext uri="{BB962C8B-B14F-4D97-AF65-F5344CB8AC3E}">
-        <p14:creationId xmlns:p14="http://schemas.microsoft.com/office/powerpoint/2010/main" val="2780308429"/>
+        <p14:creationId xmlns:p14="http://schemas.microsoft.com/office/powerpoint/2010/main" val="4157865312"/>
       </p:ext>
     </p:extLst>
   </p:cSld>
@@ -2752,7 +2500,7 @@
           <a:p>
             <a:fld id="{5993AEC0-242E-4FA7-9D3C-51E1036AC3CB}" type="slidenum">
               <a:rPr lang="es-MX" smtClean="0"/>
-              <a:t>19</a:t>
+              <a:t>21</a:t>
             </a:fld>
             <a:endParaRPr lang="es-MX" dirty="0"/>
           </a:p>
@@ -2761,7 +2509,7 @@
     </p:spTree>
     <p:extLst>
       <p:ext uri="{BB962C8B-B14F-4D97-AF65-F5344CB8AC3E}">
-        <p14:creationId xmlns:p14="http://schemas.microsoft.com/office/powerpoint/2010/main" val="4157865312"/>
+        <p14:creationId xmlns:p14="http://schemas.microsoft.com/office/powerpoint/2010/main" val="1240082775"/>
       </p:ext>
     </p:extLst>
   </p:cSld>
@@ -2845,7 +2593,7 @@
     </p:spTree>
     <p:extLst>
       <p:ext uri="{BB962C8B-B14F-4D97-AF65-F5344CB8AC3E}">
-        <p14:creationId xmlns:p14="http://schemas.microsoft.com/office/powerpoint/2010/main" val="1240082775"/>
+        <p14:creationId xmlns:p14="http://schemas.microsoft.com/office/powerpoint/2010/main" val="2814759316"/>
       </p:ext>
     </p:extLst>
   </p:cSld>
@@ -2929,7 +2677,7 @@
     </p:spTree>
     <p:extLst>
       <p:ext uri="{BB962C8B-B14F-4D97-AF65-F5344CB8AC3E}">
-        <p14:creationId xmlns:p14="http://schemas.microsoft.com/office/powerpoint/2010/main" val="2814759316"/>
+        <p14:creationId xmlns:p14="http://schemas.microsoft.com/office/powerpoint/2010/main" val="4005466263"/>
       </p:ext>
     </p:extLst>
   </p:cSld>
@@ -3120,7 +2868,7 @@
           <a:p>
             <a:fld id="{5E75A0DC-66C6-4CEC-A5EB-F8C97CEC3796}" type="datetimeFigureOut">
               <a:rPr lang="es-MX" smtClean="0"/>
-              <a:t>07/02/2021</a:t>
+              <a:t>08/02/2021</a:t>
             </a:fld>
             <a:endParaRPr lang="es-MX" dirty="0"/>
           </a:p>
@@ -3290,7 +3038,7 @@
           <a:p>
             <a:fld id="{5E75A0DC-66C6-4CEC-A5EB-F8C97CEC3796}" type="datetimeFigureOut">
               <a:rPr lang="es-MX" smtClean="0"/>
-              <a:t>07/02/2021</a:t>
+              <a:t>08/02/2021</a:t>
             </a:fld>
             <a:endParaRPr lang="es-MX" dirty="0"/>
           </a:p>
@@ -3470,7 +3218,7 @@
           <a:p>
             <a:fld id="{5E75A0DC-66C6-4CEC-A5EB-F8C97CEC3796}" type="datetimeFigureOut">
               <a:rPr lang="es-MX" smtClean="0"/>
-              <a:t>07/02/2021</a:t>
+              <a:t>08/02/2021</a:t>
             </a:fld>
             <a:endParaRPr lang="es-MX" dirty="0"/>
           </a:p>
@@ -3901,7 +3649,7 @@
           <a:p>
             <a:fld id="{5E75A0DC-66C6-4CEC-A5EB-F8C97CEC3796}" type="datetimeFigureOut">
               <a:rPr lang="es-MX" smtClean="0"/>
-              <a:t>07/02/2021</a:t>
+              <a:t>08/02/2021</a:t>
             </a:fld>
             <a:endParaRPr lang="es-MX" dirty="0"/>
           </a:p>
@@ -4147,7 +3895,7 @@
           <a:p>
             <a:fld id="{5E75A0DC-66C6-4CEC-A5EB-F8C97CEC3796}" type="datetimeFigureOut">
               <a:rPr lang="es-MX" smtClean="0"/>
-              <a:t>07/02/2021</a:t>
+              <a:t>08/02/2021</a:t>
             </a:fld>
             <a:endParaRPr lang="es-MX" dirty="0"/>
           </a:p>
@@ -4435,7 +4183,7 @@
           <a:p>
             <a:fld id="{5E75A0DC-66C6-4CEC-A5EB-F8C97CEC3796}" type="datetimeFigureOut">
               <a:rPr lang="es-MX" smtClean="0"/>
-              <a:t>07/02/2021</a:t>
+              <a:t>08/02/2021</a:t>
             </a:fld>
             <a:endParaRPr lang="es-MX" dirty="0"/>
           </a:p>
@@ -4857,7 +4605,7 @@
           <a:p>
             <a:fld id="{5E75A0DC-66C6-4CEC-A5EB-F8C97CEC3796}" type="datetimeFigureOut">
               <a:rPr lang="es-MX" smtClean="0"/>
-              <a:t>07/02/2021</a:t>
+              <a:t>08/02/2021</a:t>
             </a:fld>
             <a:endParaRPr lang="es-MX" dirty="0"/>
           </a:p>
@@ -4975,7 +4723,7 @@
           <a:p>
             <a:fld id="{5E75A0DC-66C6-4CEC-A5EB-F8C97CEC3796}" type="datetimeFigureOut">
               <a:rPr lang="es-MX" smtClean="0"/>
-              <a:t>07/02/2021</a:t>
+              <a:t>08/02/2021</a:t>
             </a:fld>
             <a:endParaRPr lang="es-MX" dirty="0"/>
           </a:p>
@@ -5070,7 +4818,7 @@
           <a:p>
             <a:fld id="{5E75A0DC-66C6-4CEC-A5EB-F8C97CEC3796}" type="datetimeFigureOut">
               <a:rPr lang="es-MX" smtClean="0"/>
-              <a:t>07/02/2021</a:t>
+              <a:t>08/02/2021</a:t>
             </a:fld>
             <a:endParaRPr lang="es-MX" dirty="0"/>
           </a:p>
@@ -5347,7 +5095,7 @@
           <a:p>
             <a:fld id="{5E75A0DC-66C6-4CEC-A5EB-F8C97CEC3796}" type="datetimeFigureOut">
               <a:rPr lang="es-MX" smtClean="0"/>
-              <a:t>07/02/2021</a:t>
+              <a:t>08/02/2021</a:t>
             </a:fld>
             <a:endParaRPr lang="es-MX" dirty="0"/>
           </a:p>
@@ -5600,7 +5348,7 @@
           <a:p>
             <a:fld id="{5E75A0DC-66C6-4CEC-A5EB-F8C97CEC3796}" type="datetimeFigureOut">
               <a:rPr lang="es-MX" smtClean="0"/>
-              <a:t>07/02/2021</a:t>
+              <a:t>08/02/2021</a:t>
             </a:fld>
             <a:endParaRPr lang="es-MX" dirty="0"/>
           </a:p>
@@ -5813,7 +5561,7 @@
           <a:p>
             <a:fld id="{5E75A0DC-66C6-4CEC-A5EB-F8C97CEC3796}" type="datetimeFigureOut">
               <a:rPr lang="es-MX" smtClean="0"/>
-              <a:t>07/02/2021</a:t>
+              <a:t>08/02/2021</a:t>
             </a:fld>
             <a:endParaRPr lang="es-MX" dirty="0"/>
           </a:p>
@@ -11828,957 +11576,6 @@
           <a:chExt cx="0" cy="0"/>
         </a:xfrm>
       </p:grpSpPr>
-      <p:sp>
-        <p:nvSpPr>
-          <p:cNvPr id="8" name="Text Box 5"/>
-          <p:cNvSpPr txBox="1">
-            <a:spLocks noChangeArrowheads="1"/>
-          </p:cNvSpPr>
-          <p:nvPr/>
-        </p:nvSpPr>
-        <p:spPr bwMode="auto">
-          <a:xfrm>
-            <a:off x="500063" y="785813"/>
-            <a:ext cx="6286500" cy="560410"/>
-          </a:xfrm>
-          <a:prstGeom prst="rect">
-            <a:avLst/>
-          </a:prstGeom>
-          <a:noFill/>
-          <a:ln>
-            <a:noFill/>
-          </a:ln>
-          <a:extLst>
-            <a:ext uri="{909E8E84-426E-40DD-AFC4-6F175D3DCCD1}">
-              <a14:hiddenFill xmlns:a14="http://schemas.microsoft.com/office/drawing/2010/main">
-                <a:solidFill>
-                  <a:srgbClr val="FFFFFF"/>
-                </a:solidFill>
-              </a14:hiddenFill>
-            </a:ext>
-            <a:ext uri="{91240B29-F687-4F45-9708-019B960494DF}">
-              <a14:hiddenLine xmlns:a14="http://schemas.microsoft.com/office/drawing/2010/main" w="9525">
-                <a:solidFill>
-                  <a:srgbClr val="000000"/>
-                </a:solidFill>
-                <a:miter lim="800000"/>
-                <a:headEnd/>
-                <a:tailEnd/>
-              </a14:hiddenLine>
-            </a:ext>
-          </a:extLst>
-        </p:spPr>
-        <p:txBody>
-          <a:bodyPr>
-            <a:spAutoFit/>
-          </a:bodyPr>
-          <a:lstStyle>
-            <a:lvl1pPr eaLnBrk="0" hangingPunct="0">
-              <a:defRPr sz="2400">
-                <a:solidFill>
-                  <a:schemeClr val="tx1"/>
-                </a:solidFill>
-                <a:latin typeface="Times New Roman" pitchFamily="18" charset="0"/>
-              </a:defRPr>
-            </a:lvl1pPr>
-            <a:lvl2pPr marL="742950" indent="-285750" eaLnBrk="0" hangingPunct="0">
-              <a:defRPr sz="2400">
-                <a:solidFill>
-                  <a:schemeClr val="tx1"/>
-                </a:solidFill>
-                <a:latin typeface="Times New Roman" pitchFamily="18" charset="0"/>
-              </a:defRPr>
-            </a:lvl2pPr>
-            <a:lvl3pPr marL="1143000" indent="-228600" eaLnBrk="0" hangingPunct="0">
-              <a:defRPr sz="2400">
-                <a:solidFill>
-                  <a:schemeClr val="tx1"/>
-                </a:solidFill>
-                <a:latin typeface="Times New Roman" pitchFamily="18" charset="0"/>
-              </a:defRPr>
-            </a:lvl3pPr>
-            <a:lvl4pPr marL="1600200" indent="-228600" eaLnBrk="0" hangingPunct="0">
-              <a:defRPr sz="2400">
-                <a:solidFill>
-                  <a:schemeClr val="tx1"/>
-                </a:solidFill>
-                <a:latin typeface="Times New Roman" pitchFamily="18" charset="0"/>
-              </a:defRPr>
-            </a:lvl4pPr>
-            <a:lvl5pPr marL="2057400" indent="-228600" eaLnBrk="0" hangingPunct="0">
-              <a:defRPr sz="2400">
-                <a:solidFill>
-                  <a:schemeClr val="tx1"/>
-                </a:solidFill>
-                <a:latin typeface="Times New Roman" pitchFamily="18" charset="0"/>
-              </a:defRPr>
-            </a:lvl5pPr>
-            <a:lvl6pPr marL="2514600" indent="-228600" eaLnBrk="0" fontAlgn="base" hangingPunct="0">
-              <a:spcBef>
-                <a:spcPct val="0"/>
-              </a:spcBef>
-              <a:spcAft>
-                <a:spcPct val="0"/>
-              </a:spcAft>
-              <a:defRPr sz="2400">
-                <a:solidFill>
-                  <a:schemeClr val="tx1"/>
-                </a:solidFill>
-                <a:latin typeface="Times New Roman" pitchFamily="18" charset="0"/>
-              </a:defRPr>
-            </a:lvl6pPr>
-            <a:lvl7pPr marL="2971800" indent="-228600" eaLnBrk="0" fontAlgn="base" hangingPunct="0">
-              <a:spcBef>
-                <a:spcPct val="0"/>
-              </a:spcBef>
-              <a:spcAft>
-                <a:spcPct val="0"/>
-              </a:spcAft>
-              <a:defRPr sz="2400">
-                <a:solidFill>
-                  <a:schemeClr val="tx1"/>
-                </a:solidFill>
-                <a:latin typeface="Times New Roman" pitchFamily="18" charset="0"/>
-              </a:defRPr>
-            </a:lvl7pPr>
-            <a:lvl8pPr marL="3429000" indent="-228600" eaLnBrk="0" fontAlgn="base" hangingPunct="0">
-              <a:spcBef>
-                <a:spcPct val="0"/>
-              </a:spcBef>
-              <a:spcAft>
-                <a:spcPct val="0"/>
-              </a:spcAft>
-              <a:defRPr sz="2400">
-                <a:solidFill>
-                  <a:schemeClr val="tx1"/>
-                </a:solidFill>
-                <a:latin typeface="Times New Roman" pitchFamily="18" charset="0"/>
-              </a:defRPr>
-            </a:lvl8pPr>
-            <a:lvl9pPr marL="3886200" indent="-228600" eaLnBrk="0" fontAlgn="base" hangingPunct="0">
-              <a:spcBef>
-                <a:spcPct val="0"/>
-              </a:spcBef>
-              <a:spcAft>
-                <a:spcPct val="0"/>
-              </a:spcAft>
-              <a:defRPr sz="2400">
-                <a:solidFill>
-                  <a:schemeClr val="tx1"/>
-                </a:solidFill>
-                <a:latin typeface="Times New Roman" pitchFamily="18" charset="0"/>
-              </a:defRPr>
-            </a:lvl9pPr>
-          </a:lstStyle>
-          <a:p>
-            <a:pPr algn="just">
-              <a:lnSpc>
-                <a:spcPct val="200000"/>
-              </a:lnSpc>
-              <a:spcBef>
-                <a:spcPct val="50000"/>
-              </a:spcBef>
-            </a:pPr>
-            <a:r>
-              <a:rPr lang="es-MX" sz="1800" b="1" dirty="0">
-                <a:solidFill>
-                  <a:schemeClr val="accent5">
-                    <a:lumMod val="75000"/>
-                  </a:schemeClr>
-                </a:solidFill>
-                <a:latin typeface="ZapfHumnst BT"/>
-              </a:rPr>
-              <a:t>Tecnologías Ethernet</a:t>
-            </a:r>
-          </a:p>
-        </p:txBody>
-      </p:sp>
-      <p:sp>
-        <p:nvSpPr>
-          <p:cNvPr id="18436" name="10 CuadroTexto"/>
-          <p:cNvSpPr txBox="1">
-            <a:spLocks noChangeArrowheads="1"/>
-          </p:cNvSpPr>
-          <p:nvPr/>
-        </p:nvSpPr>
-        <p:spPr bwMode="auto">
-          <a:xfrm>
-            <a:off x="571500" y="1498600"/>
-            <a:ext cx="8500492" cy="2216150"/>
-          </a:xfrm>
-          <a:prstGeom prst="rect">
-            <a:avLst/>
-          </a:prstGeom>
-          <a:noFill/>
-          <a:ln>
-            <a:noFill/>
-          </a:ln>
-          <a:extLst>
-            <a:ext uri="{909E8E84-426E-40DD-AFC4-6F175D3DCCD1}">
-              <a14:hiddenFill xmlns:a14="http://schemas.microsoft.com/office/drawing/2010/main">
-                <a:solidFill>
-                  <a:srgbClr val="FFFFFF"/>
-                </a:solidFill>
-              </a14:hiddenFill>
-            </a:ext>
-            <a:ext uri="{91240B29-F687-4F45-9708-019B960494DF}">
-              <a14:hiddenLine xmlns:a14="http://schemas.microsoft.com/office/drawing/2010/main" w="9525">
-                <a:solidFill>
-                  <a:srgbClr val="000000"/>
-                </a:solidFill>
-                <a:miter lim="800000"/>
-                <a:headEnd/>
-                <a:tailEnd/>
-              </a14:hiddenLine>
-            </a:ext>
-          </a:extLst>
-        </p:spPr>
-        <p:txBody>
-          <a:bodyPr wrap="square">
-            <a:spAutoFit/>
-          </a:bodyPr>
-          <a:lstStyle>
-            <a:lvl1pPr eaLnBrk="0" hangingPunct="0">
-              <a:defRPr sz="2400">
-                <a:solidFill>
-                  <a:schemeClr val="tx1"/>
-                </a:solidFill>
-                <a:latin typeface="Times New Roman" pitchFamily="18" charset="0"/>
-              </a:defRPr>
-            </a:lvl1pPr>
-            <a:lvl2pPr marL="742950" indent="-285750" eaLnBrk="0" hangingPunct="0">
-              <a:defRPr sz="2400">
-                <a:solidFill>
-                  <a:schemeClr val="tx1"/>
-                </a:solidFill>
-                <a:latin typeface="Times New Roman" pitchFamily="18" charset="0"/>
-              </a:defRPr>
-            </a:lvl2pPr>
-            <a:lvl3pPr marL="1143000" indent="-228600" eaLnBrk="0" hangingPunct="0">
-              <a:defRPr sz="2400">
-                <a:solidFill>
-                  <a:schemeClr val="tx1"/>
-                </a:solidFill>
-                <a:latin typeface="Times New Roman" pitchFamily="18" charset="0"/>
-              </a:defRPr>
-            </a:lvl3pPr>
-            <a:lvl4pPr marL="1600200" indent="-228600" eaLnBrk="0" hangingPunct="0">
-              <a:defRPr sz="2400">
-                <a:solidFill>
-                  <a:schemeClr val="tx1"/>
-                </a:solidFill>
-                <a:latin typeface="Times New Roman" pitchFamily="18" charset="0"/>
-              </a:defRPr>
-            </a:lvl4pPr>
-            <a:lvl5pPr marL="2057400" indent="-228600" eaLnBrk="0" hangingPunct="0">
-              <a:defRPr sz="2400">
-                <a:solidFill>
-                  <a:schemeClr val="tx1"/>
-                </a:solidFill>
-                <a:latin typeface="Times New Roman" pitchFamily="18" charset="0"/>
-              </a:defRPr>
-            </a:lvl5pPr>
-            <a:lvl6pPr marL="2514600" indent="-228600" eaLnBrk="0" fontAlgn="base" hangingPunct="0">
-              <a:spcBef>
-                <a:spcPct val="0"/>
-              </a:spcBef>
-              <a:spcAft>
-                <a:spcPct val="0"/>
-              </a:spcAft>
-              <a:defRPr sz="2400">
-                <a:solidFill>
-                  <a:schemeClr val="tx1"/>
-                </a:solidFill>
-                <a:latin typeface="Times New Roman" pitchFamily="18" charset="0"/>
-              </a:defRPr>
-            </a:lvl6pPr>
-            <a:lvl7pPr marL="2971800" indent="-228600" eaLnBrk="0" fontAlgn="base" hangingPunct="0">
-              <a:spcBef>
-                <a:spcPct val="0"/>
-              </a:spcBef>
-              <a:spcAft>
-                <a:spcPct val="0"/>
-              </a:spcAft>
-              <a:defRPr sz="2400">
-                <a:solidFill>
-                  <a:schemeClr val="tx1"/>
-                </a:solidFill>
-                <a:latin typeface="Times New Roman" pitchFamily="18" charset="0"/>
-              </a:defRPr>
-            </a:lvl7pPr>
-            <a:lvl8pPr marL="3429000" indent="-228600" eaLnBrk="0" fontAlgn="base" hangingPunct="0">
-              <a:spcBef>
-                <a:spcPct val="0"/>
-              </a:spcBef>
-              <a:spcAft>
-                <a:spcPct val="0"/>
-              </a:spcAft>
-              <a:defRPr sz="2400">
-                <a:solidFill>
-                  <a:schemeClr val="tx1"/>
-                </a:solidFill>
-                <a:latin typeface="Times New Roman" pitchFamily="18" charset="0"/>
-              </a:defRPr>
-            </a:lvl8pPr>
-            <a:lvl9pPr marL="3886200" indent="-228600" eaLnBrk="0" fontAlgn="base" hangingPunct="0">
-              <a:spcBef>
-                <a:spcPct val="0"/>
-              </a:spcBef>
-              <a:spcAft>
-                <a:spcPct val="0"/>
-              </a:spcAft>
-              <a:defRPr sz="2400">
-                <a:solidFill>
-                  <a:schemeClr val="tx1"/>
-                </a:solidFill>
-                <a:latin typeface="Times New Roman" pitchFamily="18" charset="0"/>
-              </a:defRPr>
-            </a:lvl9pPr>
-          </a:lstStyle>
-          <a:p>
-            <a:pPr eaLnBrk="1" hangingPunct="1">
-              <a:lnSpc>
-                <a:spcPct val="150000"/>
-              </a:lnSpc>
-            </a:pPr>
-            <a:r>
-              <a:rPr lang="es-MX" sz="1400" dirty="0">
-                <a:solidFill>
-                  <a:schemeClr val="bg2">
-                    <a:lumMod val="25000"/>
-                  </a:schemeClr>
-                </a:solidFill>
-                <a:latin typeface="ZapfHumnst BT"/>
-              </a:rPr>
-              <a:t>Las tecnologías Ethernet que existen se diferencian en estos conceptos:</a:t>
-            </a:r>
-          </a:p>
-          <a:p>
-            <a:pPr eaLnBrk="1" hangingPunct="1">
-              <a:lnSpc>
-                <a:spcPct val="150000"/>
-              </a:lnSpc>
-            </a:pPr>
-            <a:endParaRPr lang="es-MX" sz="800" dirty="0">
-              <a:solidFill>
-                <a:schemeClr val="bg2">
-                  <a:lumMod val="25000"/>
-                </a:schemeClr>
-              </a:solidFill>
-              <a:latin typeface="ZapfHumnst BT"/>
-            </a:endParaRPr>
-          </a:p>
-          <a:p>
-            <a:pPr eaLnBrk="1" hangingPunct="1">
-              <a:lnSpc>
-                <a:spcPct val="150000"/>
-              </a:lnSpc>
-              <a:buFont typeface="Wingdings" pitchFamily="2" charset="2"/>
-              <a:buChar char="v"/>
-            </a:pPr>
-            <a:r>
-              <a:rPr lang="es-MX" sz="1400" b="1" dirty="0">
-                <a:solidFill>
-                  <a:schemeClr val="bg2">
-                    <a:lumMod val="25000"/>
-                  </a:schemeClr>
-                </a:solidFill>
-                <a:latin typeface="ZapfHumnst BT"/>
-              </a:rPr>
-              <a:t>  </a:t>
-            </a:r>
-            <a:r>
-              <a:rPr lang="es-MX" sz="1400" b="1" dirty="0">
-                <a:solidFill>
-                  <a:schemeClr val="accent6">
-                    <a:lumMod val="75000"/>
-                  </a:schemeClr>
-                </a:solidFill>
-                <a:latin typeface="ZapfHumnst BT"/>
-              </a:rPr>
-              <a:t>Velocidad de transmisión </a:t>
-            </a:r>
-            <a:r>
-              <a:rPr lang="es-MX" sz="1400" dirty="0">
-                <a:solidFill>
-                  <a:schemeClr val="accent6">
-                    <a:lumMod val="75000"/>
-                  </a:schemeClr>
-                </a:solidFill>
-                <a:latin typeface="ZapfHumnst BT"/>
-              </a:rPr>
-              <a:t> </a:t>
-            </a:r>
-            <a:r>
-              <a:rPr lang="es-MX" sz="1400" dirty="0">
-                <a:solidFill>
-                  <a:schemeClr val="bg2">
-                    <a:lumMod val="25000"/>
-                  </a:schemeClr>
-                </a:solidFill>
-                <a:latin typeface="ZapfHumnst BT"/>
-              </a:rPr>
-              <a:t>Velocidad a la que transmite la tecnología. </a:t>
-            </a:r>
-          </a:p>
-          <a:p>
-            <a:pPr eaLnBrk="1" hangingPunct="1">
-              <a:lnSpc>
-                <a:spcPct val="150000"/>
-              </a:lnSpc>
-              <a:buFont typeface="Wingdings" pitchFamily="2" charset="2"/>
-              <a:buChar char="v"/>
-            </a:pPr>
-            <a:r>
-              <a:rPr lang="es-MX" sz="1400" b="1" dirty="0">
-                <a:solidFill>
-                  <a:schemeClr val="bg2">
-                    <a:lumMod val="25000"/>
-                  </a:schemeClr>
-                </a:solidFill>
-                <a:latin typeface="ZapfHumnst BT"/>
-              </a:rPr>
-              <a:t>  </a:t>
-            </a:r>
-            <a:r>
-              <a:rPr lang="es-MX" sz="1400" b="1" dirty="0">
-                <a:solidFill>
-                  <a:schemeClr val="accent6">
-                    <a:lumMod val="75000"/>
-                  </a:schemeClr>
-                </a:solidFill>
-                <a:latin typeface="ZapfHumnst BT"/>
-              </a:rPr>
-              <a:t>Tipo de cable</a:t>
-            </a:r>
-            <a:r>
-              <a:rPr lang="es-MX" sz="1400" dirty="0">
-                <a:solidFill>
-                  <a:schemeClr val="accent6">
-                    <a:lumMod val="75000"/>
-                  </a:schemeClr>
-                </a:solidFill>
-                <a:latin typeface="ZapfHumnst BT"/>
-              </a:rPr>
-              <a:t>  </a:t>
-            </a:r>
-            <a:r>
-              <a:rPr lang="es-MX" sz="1400" dirty="0">
-                <a:solidFill>
-                  <a:schemeClr val="bg2">
-                    <a:lumMod val="25000"/>
-                  </a:schemeClr>
-                </a:solidFill>
-                <a:latin typeface="ZapfHumnst BT"/>
-              </a:rPr>
-              <a:t>Tecnología del nivel físico que usa la tecnología. </a:t>
-            </a:r>
-          </a:p>
-          <a:p>
-            <a:pPr eaLnBrk="1" hangingPunct="1">
-              <a:lnSpc>
-                <a:spcPct val="150000"/>
-              </a:lnSpc>
-              <a:buFont typeface="Wingdings" pitchFamily="2" charset="2"/>
-              <a:buChar char="v"/>
-            </a:pPr>
-            <a:r>
-              <a:rPr lang="es-MX" sz="1400" b="1" dirty="0">
-                <a:solidFill>
-                  <a:schemeClr val="bg2">
-                    <a:lumMod val="25000"/>
-                  </a:schemeClr>
-                </a:solidFill>
-                <a:latin typeface="ZapfHumnst BT"/>
-              </a:rPr>
-              <a:t>  </a:t>
-            </a:r>
-            <a:r>
-              <a:rPr lang="es-MX" sz="1400" b="1" dirty="0">
-                <a:solidFill>
-                  <a:schemeClr val="accent6">
-                    <a:lumMod val="75000"/>
-                  </a:schemeClr>
-                </a:solidFill>
-                <a:latin typeface="ZapfHumnst BT"/>
-              </a:rPr>
-              <a:t>Longitud máxima  </a:t>
-            </a:r>
-            <a:r>
-              <a:rPr lang="es-MX" sz="1400" dirty="0">
-                <a:solidFill>
-                  <a:schemeClr val="bg2">
-                    <a:lumMod val="25000"/>
-                  </a:schemeClr>
-                </a:solidFill>
-                <a:latin typeface="ZapfHumnst BT"/>
-              </a:rPr>
-              <a:t>Distancia máxima que puede haber entre dos nodos adyacentes (sin repetidores) </a:t>
-            </a:r>
-          </a:p>
-          <a:p>
-            <a:pPr algn="just" eaLnBrk="1" hangingPunct="1">
-              <a:lnSpc>
-                <a:spcPct val="150000"/>
-              </a:lnSpc>
-              <a:buFont typeface="Wingdings" pitchFamily="2" charset="2"/>
-              <a:buChar char="v"/>
-            </a:pPr>
-            <a:r>
-              <a:rPr lang="es-MX" sz="1400" b="1" dirty="0">
-                <a:solidFill>
-                  <a:schemeClr val="accent6">
-                    <a:lumMod val="75000"/>
-                  </a:schemeClr>
-                </a:solidFill>
-                <a:latin typeface="ZapfHumnst BT"/>
-              </a:rPr>
-              <a:t>  Topología</a:t>
-            </a:r>
-            <a:r>
-              <a:rPr lang="es-MX" sz="1400" dirty="0">
-                <a:solidFill>
-                  <a:schemeClr val="accent6">
-                    <a:lumMod val="75000"/>
-                  </a:schemeClr>
-                </a:solidFill>
-                <a:latin typeface="ZapfHumnst BT"/>
-              </a:rPr>
-              <a:t>  </a:t>
-            </a:r>
-            <a:r>
-              <a:rPr lang="es-MX" sz="1400" dirty="0">
-                <a:solidFill>
-                  <a:schemeClr val="bg2">
-                    <a:lumMod val="25000"/>
-                  </a:schemeClr>
-                </a:solidFill>
-                <a:latin typeface="ZapfHumnst BT"/>
-              </a:rPr>
-              <a:t>Determina la forma de actuar de los puntos de enlace centrales. Éstos pueden ser </a:t>
-            </a:r>
-          </a:p>
-          <a:p>
-            <a:pPr eaLnBrk="1" hangingPunct="1">
-              <a:lnSpc>
-                <a:spcPct val="150000"/>
-              </a:lnSpc>
-            </a:pPr>
-            <a:r>
-              <a:rPr lang="es-MX" sz="1400" dirty="0">
-                <a:solidFill>
-                  <a:schemeClr val="bg2">
-                    <a:lumMod val="25000"/>
-                  </a:schemeClr>
-                </a:solidFill>
-                <a:latin typeface="ZapfHumnst BT"/>
-              </a:rPr>
-              <a:t>      Conectores T, </a:t>
-            </a:r>
-            <a:r>
-              <a:rPr lang="es-MX" sz="1400" dirty="0" err="1">
-                <a:solidFill>
-                  <a:schemeClr val="bg2">
-                    <a:lumMod val="25000"/>
-                  </a:schemeClr>
-                </a:solidFill>
-                <a:latin typeface="ZapfHumnst BT"/>
-              </a:rPr>
-              <a:t>hubs</a:t>
-            </a:r>
-            <a:r>
-              <a:rPr lang="es-MX" sz="1400" dirty="0">
-                <a:solidFill>
-                  <a:schemeClr val="bg2">
-                    <a:lumMod val="25000"/>
-                  </a:schemeClr>
-                </a:solidFill>
-                <a:latin typeface="ZapfHumnst BT"/>
-              </a:rPr>
-              <a:t> o </a:t>
-            </a:r>
-            <a:r>
-              <a:rPr lang="es-MX" sz="1400" dirty="0" err="1">
-                <a:solidFill>
-                  <a:schemeClr val="bg2">
-                    <a:lumMod val="25000"/>
-                  </a:schemeClr>
-                </a:solidFill>
-                <a:latin typeface="ZapfHumnst BT"/>
-              </a:rPr>
-              <a:t>switches</a:t>
-            </a:r>
-            <a:r>
-              <a:rPr lang="es-MX" sz="1400" dirty="0">
-                <a:solidFill>
-                  <a:schemeClr val="bg2">
-                    <a:lumMod val="25000"/>
-                  </a:schemeClr>
-                </a:solidFill>
-                <a:latin typeface="ZapfHumnst BT"/>
-              </a:rPr>
-              <a:t>. </a:t>
-            </a:r>
-          </a:p>
-        </p:txBody>
-      </p:sp>
-      <p:pic>
-        <p:nvPicPr>
-          <p:cNvPr id="18437" name="Picture 3"/>
-          <p:cNvPicPr>
-            <a:picLocks noChangeAspect="1" noChangeArrowheads="1"/>
-          </p:cNvPicPr>
-          <p:nvPr/>
-        </p:nvPicPr>
-        <p:blipFill>
-          <a:blip r:embed="rId3">
-            <a:extLst>
-              <a:ext uri="{28A0092B-C50C-407E-A947-70E740481C1C}">
-                <a14:useLocalDpi xmlns:a14="http://schemas.microsoft.com/office/drawing/2010/main" val="0"/>
-              </a:ext>
-            </a:extLst>
-          </a:blip>
-          <a:srcRect/>
-          <a:stretch>
-            <a:fillRect/>
-          </a:stretch>
-        </p:blipFill>
-        <p:spPr bwMode="auto">
-          <a:xfrm>
-            <a:off x="571500" y="3857625"/>
-            <a:ext cx="8240713" cy="2643188"/>
-          </a:xfrm>
-          <a:prstGeom prst="rect">
-            <a:avLst/>
-          </a:prstGeom>
-          <a:noFill/>
-          <a:ln>
-            <a:noFill/>
-          </a:ln>
-          <a:extLst>
-            <a:ext uri="{909E8E84-426E-40DD-AFC4-6F175D3DCCD1}">
-              <a14:hiddenFill xmlns:a14="http://schemas.microsoft.com/office/drawing/2010/main">
-                <a:solidFill>
-                  <a:srgbClr val="FFFFFF"/>
-                </a:solidFill>
-              </a14:hiddenFill>
-            </a:ext>
-            <a:ext uri="{91240B29-F687-4F45-9708-019B960494DF}">
-              <a14:hiddenLine xmlns:a14="http://schemas.microsoft.com/office/drawing/2010/main" w="9525">
-                <a:solidFill>
-                  <a:srgbClr val="000000"/>
-                </a:solidFill>
-                <a:miter lim="800000"/>
-                <a:headEnd/>
-                <a:tailEnd/>
-              </a14:hiddenLine>
-            </a:ext>
-          </a:extLst>
-        </p:spPr>
-      </p:pic>
-      <p:sp>
-        <p:nvSpPr>
-          <p:cNvPr id="9" name="Rectangle 2">
-            <a:extLst>
-              <a:ext uri="{FF2B5EF4-FFF2-40B4-BE49-F238E27FC236}">
-                <a16:creationId xmlns:a16="http://schemas.microsoft.com/office/drawing/2014/main" id="{53134B14-A30B-463D-B287-58C5E95C3DDD}"/>
-              </a:ext>
-            </a:extLst>
-          </p:cNvPr>
-          <p:cNvSpPr txBox="1">
-            <a:spLocks noChangeArrowheads="1"/>
-          </p:cNvSpPr>
-          <p:nvPr/>
-        </p:nvSpPr>
-        <p:spPr>
-          <a:xfrm>
-            <a:off x="89756" y="-76835"/>
-            <a:ext cx="8964488" cy="1143000"/>
-          </a:xfrm>
-          <a:prstGeom prst="rect">
-            <a:avLst/>
-          </a:prstGeom>
-        </p:spPr>
-        <p:txBody>
-          <a:bodyPr vert="horz" lIns="92075" tIns="46038" rIns="92075" bIns="46038" rtlCol="0" anchor="ctr">
-            <a:noAutofit/>
-          </a:bodyPr>
-          <a:lstStyle>
-            <a:lvl1pPr algn="ctr" defTabSz="914400" rtl="0" eaLnBrk="1" latinLnBrk="0" hangingPunct="1">
-              <a:spcBef>
-                <a:spcPct val="0"/>
-              </a:spcBef>
-              <a:buNone/>
-              <a:defRPr sz="4400" kern="1200">
-                <a:solidFill>
-                  <a:schemeClr val="tx1"/>
-                </a:solidFill>
-                <a:latin typeface="+mj-lt"/>
-                <a:ea typeface="+mj-ea"/>
-                <a:cs typeface="+mj-cs"/>
-              </a:defRPr>
-            </a:lvl1pPr>
-          </a:lstStyle>
-          <a:p>
-            <a:pPr>
-              <a:defRPr/>
-            </a:pPr>
-            <a:r>
-              <a:rPr lang="es-ES_tradnl" sz="3200" dirty="0">
-                <a:solidFill>
-                  <a:srgbClr val="3333CC"/>
-                </a:solidFill>
-                <a:effectLst>
-                  <a:outerShdw blurRad="38100" dist="38100" dir="2700000" algn="tl">
-                    <a:srgbClr val="C0C0C0"/>
-                  </a:outerShdw>
-                </a:effectLst>
-                <a:latin typeface="Dom Casual" charset="0"/>
-              </a:rPr>
-              <a:t> </a:t>
-            </a:r>
-            <a:r>
-              <a:rPr lang="es-ES_tradnl" sz="3200" b="1" dirty="0">
-                <a:solidFill>
-                  <a:schemeClr val="accent4">
-                    <a:lumMod val="50000"/>
-                  </a:schemeClr>
-                </a:solidFill>
-                <a:effectLst>
-                  <a:outerShdw blurRad="38100" dist="38100" dir="2700000" algn="tl">
-                    <a:srgbClr val="C0C0C0"/>
-                  </a:outerShdw>
-                </a:effectLst>
-                <a:latin typeface="Dom Casual" charset="0"/>
-              </a:rPr>
-              <a:t>Medios de comunicación que utilizan líneas físicas</a:t>
-            </a:r>
-          </a:p>
-        </p:txBody>
-      </p:sp>
-    </p:spTree>
-    <p:extLst>
-      <p:ext uri="{BB962C8B-B14F-4D97-AF65-F5344CB8AC3E}">
-        <p14:creationId xmlns:p14="http://schemas.microsoft.com/office/powerpoint/2010/main" val="180801261"/>
-      </p:ext>
-    </p:extLst>
-  </p:cSld>
-  <p:clrMapOvr>
-    <a:masterClrMapping/>
-  </p:clrMapOvr>
-  <p:timing>
-    <p:tnLst>
-      <p:par>
-        <p:cTn id="1" dur="indefinite" restart="never" nodeType="tmRoot">
-          <p:childTnLst>
-            <p:seq concurrent="1" nextAc="seek">
-              <p:cTn id="2" dur="indefinite" nodeType="mainSeq">
-                <p:childTnLst>
-                  <p:par>
-                    <p:cTn id="3" fill="hold" nodeType="clickPar">
-                      <p:stCondLst>
-                        <p:cond delay="indefinite"/>
-                      </p:stCondLst>
-                      <p:childTnLst>
-                        <p:par>
-                          <p:cTn id="4" fill="hold" nodeType="withGroup">
-                            <p:stCondLst>
-                              <p:cond delay="0"/>
-                            </p:stCondLst>
-                            <p:childTnLst>
-                              <p:par>
-                                <p:cTn id="5" presetID="4" presetClass="entr" presetSubtype="16" fill="hold" grpId="0" nodeType="clickEffect">
-                                  <p:stCondLst>
-                                    <p:cond delay="0"/>
-                                  </p:stCondLst>
-                                  <p:childTnLst>
-                                    <p:set>
-                                      <p:cBhvr>
-                                        <p:cTn id="6" dur="1" fill="hold">
-                                          <p:stCondLst>
-                                            <p:cond delay="0"/>
-                                          </p:stCondLst>
-                                        </p:cTn>
-                                        <p:tgtEl>
-                                          <p:spTgt spid="8"/>
-                                        </p:tgtEl>
-                                        <p:attrNameLst>
-                                          <p:attrName>style.visibility</p:attrName>
-                                        </p:attrNameLst>
-                                      </p:cBhvr>
-                                      <p:to>
-                                        <p:strVal val="visible"/>
-                                      </p:to>
-                                    </p:set>
-                                    <p:animEffect transition="in" filter="box(in)">
-                                      <p:cBhvr>
-                                        <p:cTn id="7" dur="500"/>
-                                        <p:tgtEl>
-                                          <p:spTgt spid="8"/>
-                                        </p:tgtEl>
-                                      </p:cBhvr>
-                                    </p:animEffect>
-                                  </p:childTnLst>
-                                </p:cTn>
-                              </p:par>
-                            </p:childTnLst>
-                          </p:cTn>
-                        </p:par>
-                      </p:childTnLst>
-                    </p:cTn>
-                  </p:par>
-                  <p:par>
-                    <p:cTn id="8" fill="hold" nodeType="clickPar">
-                      <p:stCondLst>
-                        <p:cond delay="indefinite"/>
-                      </p:stCondLst>
-                      <p:childTnLst>
-                        <p:par>
-                          <p:cTn id="9" fill="hold" nodeType="withGroup">
-                            <p:stCondLst>
-                              <p:cond delay="0"/>
-                            </p:stCondLst>
-                            <p:childTnLst>
-                              <p:par>
-                                <p:cTn id="10" presetID="4" presetClass="entr" presetSubtype="16" fill="hold" grpId="0" nodeType="clickEffect">
-                                  <p:stCondLst>
-                                    <p:cond delay="0"/>
-                                  </p:stCondLst>
-                                  <p:childTnLst>
-                                    <p:set>
-                                      <p:cBhvr>
-                                        <p:cTn id="11" dur="1" fill="hold">
-                                          <p:stCondLst>
-                                            <p:cond delay="0"/>
-                                          </p:stCondLst>
-                                        </p:cTn>
-                                        <p:tgtEl>
-                                          <p:spTgt spid="18436"/>
-                                        </p:tgtEl>
-                                        <p:attrNameLst>
-                                          <p:attrName>style.visibility</p:attrName>
-                                        </p:attrNameLst>
-                                      </p:cBhvr>
-                                      <p:to>
-                                        <p:strVal val="visible"/>
-                                      </p:to>
-                                    </p:set>
-                                    <p:animEffect transition="in" filter="box(in)">
-                                      <p:cBhvr>
-                                        <p:cTn id="12" dur="500"/>
-                                        <p:tgtEl>
-                                          <p:spTgt spid="18436"/>
-                                        </p:tgtEl>
-                                      </p:cBhvr>
-                                    </p:animEffect>
-                                  </p:childTnLst>
-                                </p:cTn>
-                              </p:par>
-                            </p:childTnLst>
-                          </p:cTn>
-                        </p:par>
-                      </p:childTnLst>
-                    </p:cTn>
-                  </p:par>
-                  <p:par>
-                    <p:cTn id="13" fill="hold" nodeType="clickPar">
-                      <p:stCondLst>
-                        <p:cond delay="indefinite"/>
-                      </p:stCondLst>
-                      <p:childTnLst>
-                        <p:par>
-                          <p:cTn id="14" fill="hold" nodeType="withGroup">
-                            <p:stCondLst>
-                              <p:cond delay="0"/>
-                            </p:stCondLst>
-                            <p:childTnLst>
-                              <p:par>
-                                <p:cTn id="15" presetID="4" presetClass="entr" presetSubtype="16" fill="hold" nodeType="clickEffect">
-                                  <p:stCondLst>
-                                    <p:cond delay="0"/>
-                                  </p:stCondLst>
-                                  <p:childTnLst>
-                                    <p:set>
-                                      <p:cBhvr>
-                                        <p:cTn id="16" dur="1" fill="hold">
-                                          <p:stCondLst>
-                                            <p:cond delay="0"/>
-                                          </p:stCondLst>
-                                        </p:cTn>
-                                        <p:tgtEl>
-                                          <p:spTgt spid="18437"/>
-                                        </p:tgtEl>
-                                        <p:attrNameLst>
-                                          <p:attrName>style.visibility</p:attrName>
-                                        </p:attrNameLst>
-                                      </p:cBhvr>
-                                      <p:to>
-                                        <p:strVal val="visible"/>
-                                      </p:to>
-                                    </p:set>
-                                    <p:animEffect transition="in" filter="box(in)">
-                                      <p:cBhvr>
-                                        <p:cTn id="17" dur="500"/>
-                                        <p:tgtEl>
-                                          <p:spTgt spid="18437"/>
-                                        </p:tgtEl>
-                                      </p:cBhvr>
-                                    </p:animEffect>
-                                  </p:childTnLst>
-                                </p:cTn>
-                              </p:par>
-                            </p:childTnLst>
-                          </p:cTn>
-                        </p:par>
-                      </p:childTnLst>
-                    </p:cTn>
-                  </p:par>
-                </p:childTnLst>
-              </p:cTn>
-              <p:prevCondLst>
-                <p:cond evt="onPrev" delay="0">
-                  <p:tgtEl>
-                    <p:sldTgt/>
-                  </p:tgtEl>
-                </p:cond>
-              </p:prevCondLst>
-              <p:nextCondLst>
-                <p:cond evt="onNext" delay="0">
-                  <p:tgtEl>
-                    <p:sldTgt/>
-                  </p:tgtEl>
-                </p:cond>
-              </p:nextCondLst>
-            </p:seq>
-          </p:childTnLst>
-        </p:cTn>
-      </p:par>
-    </p:tnLst>
-    <p:bldLst>
-      <p:bldP spid="8" grpId="0"/>
-      <p:bldP spid="18436" grpId="0"/>
-    </p:bldLst>
-  </p:timing>
-</p:sld>
-</file>
-
-<file path=ppt/slides/slide12.xml><?xml version="1.0" encoding="utf-8"?>
-<p:sld xmlns:a="http://schemas.openxmlformats.org/drawingml/2006/main" xmlns:r="http://schemas.openxmlformats.org/officeDocument/2006/relationships" xmlns:p="http://schemas.openxmlformats.org/presentationml/2006/main">
-  <p:cSld>
-    <p:spTree>
-      <p:nvGrpSpPr>
-        <p:cNvPr id="1" name=""/>
-        <p:cNvGrpSpPr/>
-        <p:nvPr/>
-      </p:nvGrpSpPr>
-      <p:grpSpPr>
-        <a:xfrm>
-          <a:off x="0" y="0"/>
-          <a:ext cx="0" cy="0"/>
-          <a:chOff x="0" y="0"/>
-          <a:chExt cx="0" cy="0"/>
-        </a:xfrm>
-      </p:grpSpPr>
       <p:pic>
         <p:nvPicPr>
           <p:cNvPr id="2" name="Imagen 1"/>
@@ -13485,7 +12282,7 @@
 </p:sld>
 </file>
 
-<file path=ppt/slides/slide13.xml><?xml version="1.0" encoding="utf-8"?>
+<file path=ppt/slides/slide12.xml><?xml version="1.0" encoding="utf-8"?>
 <p:sld xmlns:a="http://schemas.openxmlformats.org/drawingml/2006/main" xmlns:r="http://schemas.openxmlformats.org/officeDocument/2006/relationships" xmlns:p="http://schemas.openxmlformats.org/presentationml/2006/main">
   <p:cSld>
     <p:spTree>
@@ -14371,7 +13168,7 @@
 </p:sld>
 </file>
 
-<file path=ppt/slides/slide14.xml><?xml version="1.0" encoding="utf-8"?>
+<file path=ppt/slides/slide13.xml><?xml version="1.0" encoding="utf-8"?>
 <p:sld xmlns:a="http://schemas.openxmlformats.org/drawingml/2006/main" xmlns:r="http://schemas.openxmlformats.org/officeDocument/2006/relationships" xmlns:p="http://schemas.openxmlformats.org/presentationml/2006/main">
   <p:cSld>
     <p:spTree>
@@ -14910,7 +13707,7 @@
 </p:sld>
 </file>
 
-<file path=ppt/slides/slide15.xml><?xml version="1.0" encoding="utf-8"?>
+<file path=ppt/slides/slide14.xml><?xml version="1.0" encoding="utf-8"?>
 <p:sld xmlns:a="http://schemas.openxmlformats.org/drawingml/2006/main" xmlns:r="http://schemas.openxmlformats.org/officeDocument/2006/relationships" xmlns:p="http://schemas.openxmlformats.org/presentationml/2006/main">
   <p:cSld>
     <p:spTree>
@@ -15786,7 +14583,7 @@
 </p:sld>
 </file>
 
-<file path=ppt/slides/slide16.xml><?xml version="1.0" encoding="utf-8"?>
+<file path=ppt/slides/slide15.xml><?xml version="1.0" encoding="utf-8"?>
 <p:sld xmlns:a="http://schemas.openxmlformats.org/drawingml/2006/main" xmlns:r="http://schemas.openxmlformats.org/officeDocument/2006/relationships" xmlns:p="http://schemas.openxmlformats.org/presentationml/2006/main">
   <p:cSld>
     <p:spTree>
@@ -16700,7 +15497,7 @@
 </p:sld>
 </file>
 
-<file path=ppt/slides/slide17.xml><?xml version="1.0" encoding="utf-8"?>
+<file path=ppt/slides/slide16.xml><?xml version="1.0" encoding="utf-8"?>
 <p:sld xmlns:a="http://schemas.openxmlformats.org/drawingml/2006/main" xmlns:r="http://schemas.openxmlformats.org/officeDocument/2006/relationships" xmlns:p="http://schemas.openxmlformats.org/presentationml/2006/main">
   <p:cSld>
     <p:spTree>
@@ -17666,7 +16463,7 @@
 </p:sld>
 </file>
 
-<file path=ppt/slides/slide18.xml><?xml version="1.0" encoding="utf-8"?>
+<file path=ppt/slides/slide17.xml><?xml version="1.0" encoding="utf-8"?>
 <p:sld xmlns:a="http://schemas.openxmlformats.org/drawingml/2006/main" xmlns:r="http://schemas.openxmlformats.org/officeDocument/2006/relationships" xmlns:p="http://schemas.openxmlformats.org/presentationml/2006/main">
   <p:cSld>
     <p:spTree>
@@ -18411,7 +17208,7 @@
 </p:sld>
 </file>
 
-<file path=ppt/slides/slide19.xml><?xml version="1.0" encoding="utf-8"?>
+<file path=ppt/slides/slide18.xml><?xml version="1.0" encoding="utf-8"?>
 <p:sld xmlns:a="http://schemas.openxmlformats.org/drawingml/2006/main" xmlns:r="http://schemas.openxmlformats.org/officeDocument/2006/relationships" xmlns:p="http://schemas.openxmlformats.org/presentationml/2006/main">
   <p:cSld>
     <p:spTree>
@@ -19280,186 +18077,7 @@
 </p:sld>
 </file>
 
-<file path=ppt/slides/slide2.xml><?xml version="1.0" encoding="utf-8"?>
-<p:sld xmlns:a="http://schemas.openxmlformats.org/drawingml/2006/main" xmlns:r="http://schemas.openxmlformats.org/officeDocument/2006/relationships" xmlns:p="http://schemas.openxmlformats.org/presentationml/2006/main">
-  <p:cSld>
-    <p:spTree>
-      <p:nvGrpSpPr>
-        <p:cNvPr id="1" name=""/>
-        <p:cNvGrpSpPr/>
-        <p:nvPr/>
-      </p:nvGrpSpPr>
-      <p:grpSpPr>
-        <a:xfrm>
-          <a:off x="0" y="0"/>
-          <a:ext cx="0" cy="0"/>
-          <a:chOff x="0" y="0"/>
-          <a:chExt cx="0" cy="0"/>
-        </a:xfrm>
-      </p:grpSpPr>
-      <p:sp>
-        <p:nvSpPr>
-          <p:cNvPr id="2" name="Title 1"/>
-          <p:cNvSpPr>
-            <a:spLocks noGrp="1"/>
-          </p:cNvSpPr>
-          <p:nvPr>
-            <p:ph type="ctrTitle"/>
-          </p:nvPr>
-        </p:nvSpPr>
-        <p:spPr>
-          <a:xfrm>
-            <a:off x="1045840" y="620688"/>
-            <a:ext cx="7342584" cy="1470025"/>
-          </a:xfrm>
-        </p:spPr>
-        <p:txBody>
-          <a:bodyPr rtlCol="0">
-            <a:normAutofit/>
-          </a:bodyPr>
-          <a:lstStyle/>
-          <a:p>
-            <a:pPr algn="l" eaLnBrk="1" fontAlgn="auto" hangingPunct="1">
-              <a:spcAft>
-                <a:spcPts val="0"/>
-              </a:spcAft>
-              <a:defRPr/>
-            </a:pPr>
-            <a:r>
-              <a:rPr lang="es-MX" sz="3200" dirty="0">
-                <a:solidFill>
-                  <a:schemeClr val="bg2">
-                    <a:lumMod val="50000"/>
-                  </a:schemeClr>
-                </a:solidFill>
-              </a:rPr>
-              <a:t>TC 2022</a:t>
-            </a:r>
-            <a:br>
-              <a:rPr lang="es-MX" sz="3200" dirty="0">
-                <a:solidFill>
-                  <a:schemeClr val="bg2">
-                    <a:lumMod val="50000"/>
-                  </a:schemeClr>
-                </a:solidFill>
-              </a:rPr>
-            </a:br>
-            <a:r>
-              <a:rPr lang="es-MX" sz="3200" dirty="0">
-                <a:solidFill>
-                  <a:schemeClr val="bg2">
-                    <a:lumMod val="50000"/>
-                  </a:schemeClr>
-                </a:solidFill>
-              </a:rPr>
-              <a:t>Interconexión de redes</a:t>
-            </a:r>
-          </a:p>
-        </p:txBody>
-      </p:sp>
-      <p:sp>
-        <p:nvSpPr>
-          <p:cNvPr id="3" name="Subtitle 2"/>
-          <p:cNvSpPr>
-            <a:spLocks noGrp="1"/>
-          </p:cNvSpPr>
-          <p:nvPr>
-            <p:ph type="subTitle" idx="1"/>
-          </p:nvPr>
-        </p:nvSpPr>
-        <p:spPr>
-          <a:xfrm>
-            <a:off x="1371600" y="2376463"/>
-            <a:ext cx="6400800" cy="1249288"/>
-          </a:xfrm>
-        </p:spPr>
-        <p:txBody>
-          <a:bodyPr rtlCol="0">
-            <a:normAutofit/>
-          </a:bodyPr>
-          <a:lstStyle/>
-          <a:p>
-            <a:pPr eaLnBrk="1" fontAlgn="auto" hangingPunct="1">
-              <a:spcAft>
-                <a:spcPts val="0"/>
-              </a:spcAft>
-              <a:defRPr/>
-            </a:pPr>
-            <a:r>
-              <a:rPr lang="es-MX" b="1" dirty="0">
-                <a:solidFill>
-                  <a:schemeClr val="accent4">
-                    <a:lumMod val="50000"/>
-                  </a:schemeClr>
-                </a:solidFill>
-              </a:rPr>
-              <a:t>Introducción a las redes</a:t>
-            </a:r>
-          </a:p>
-          <a:p>
-            <a:pPr eaLnBrk="1" fontAlgn="auto" hangingPunct="1">
-              <a:spcAft>
-                <a:spcPts val="0"/>
-              </a:spcAft>
-              <a:defRPr/>
-            </a:pPr>
-            <a:r>
-              <a:rPr lang="es-MX" sz="2000" dirty="0">
-                <a:solidFill>
-                  <a:schemeClr val="accent4">
-                    <a:lumMod val="50000"/>
-                  </a:schemeClr>
-                </a:solidFill>
-              </a:rPr>
-              <a:t>ITESM Campus Querétaro</a:t>
-            </a:r>
-          </a:p>
-        </p:txBody>
-      </p:sp>
-      <p:pic>
-        <p:nvPicPr>
-          <p:cNvPr id="5" name="Imagen 4"/>
-          <p:cNvPicPr>
-            <a:picLocks noChangeAspect="1"/>
-          </p:cNvPicPr>
-          <p:nvPr/>
-        </p:nvPicPr>
-        <p:blipFill>
-          <a:blip r:embed="rId3">
-            <a:extLst>
-              <a:ext uri="{28A0092B-C50C-407E-A947-70E740481C1C}">
-                <a14:useLocalDpi xmlns:a14="http://schemas.microsoft.com/office/drawing/2010/main" val="0"/>
-              </a:ext>
-            </a:extLst>
-          </a:blip>
-          <a:stretch>
-            <a:fillRect/>
-          </a:stretch>
-        </p:blipFill>
-        <p:spPr>
-          <a:xfrm>
-            <a:off x="2838458" y="3429000"/>
-            <a:ext cx="3821774" cy="2879184"/>
-          </a:xfrm>
-          <a:prstGeom prst="rect">
-            <a:avLst/>
-          </a:prstGeom>
-        </p:spPr>
-      </p:pic>
-    </p:spTree>
-    <p:extLst>
-      <p:ext uri="{BB962C8B-B14F-4D97-AF65-F5344CB8AC3E}">
-        <p14:creationId xmlns:p14="http://schemas.microsoft.com/office/powerpoint/2010/main" val="1293532455"/>
-      </p:ext>
-    </p:extLst>
-  </p:cSld>
-  <p:clrMapOvr>
-    <a:masterClrMapping/>
-  </p:clrMapOvr>
-</p:sld>
-</file>
-
-<file path=ppt/slides/slide20.xml><?xml version="1.0" encoding="utf-8"?>
+<file path=ppt/slides/slide19.xml><?xml version="1.0" encoding="utf-8"?>
 <p:sld xmlns:a="http://schemas.openxmlformats.org/drawingml/2006/main" xmlns:r="http://schemas.openxmlformats.org/officeDocument/2006/relationships" xmlns:p="http://schemas.openxmlformats.org/presentationml/2006/main">
   <p:cSld>
     <p:spTree>
@@ -20130,7 +18748,186 @@
 </p:sld>
 </file>
 
-<file path=ppt/slides/slide21.xml><?xml version="1.0" encoding="utf-8"?>
+<file path=ppt/slides/slide2.xml><?xml version="1.0" encoding="utf-8"?>
+<p:sld xmlns:a="http://schemas.openxmlformats.org/drawingml/2006/main" xmlns:r="http://schemas.openxmlformats.org/officeDocument/2006/relationships" xmlns:p="http://schemas.openxmlformats.org/presentationml/2006/main">
+  <p:cSld>
+    <p:spTree>
+      <p:nvGrpSpPr>
+        <p:cNvPr id="1" name=""/>
+        <p:cNvGrpSpPr/>
+        <p:nvPr/>
+      </p:nvGrpSpPr>
+      <p:grpSpPr>
+        <a:xfrm>
+          <a:off x="0" y="0"/>
+          <a:ext cx="0" cy="0"/>
+          <a:chOff x="0" y="0"/>
+          <a:chExt cx="0" cy="0"/>
+        </a:xfrm>
+      </p:grpSpPr>
+      <p:sp>
+        <p:nvSpPr>
+          <p:cNvPr id="2" name="Title 1"/>
+          <p:cNvSpPr>
+            <a:spLocks noGrp="1"/>
+          </p:cNvSpPr>
+          <p:nvPr>
+            <p:ph type="ctrTitle"/>
+          </p:nvPr>
+        </p:nvSpPr>
+        <p:spPr>
+          <a:xfrm>
+            <a:off x="1045840" y="620688"/>
+            <a:ext cx="7342584" cy="1470025"/>
+          </a:xfrm>
+        </p:spPr>
+        <p:txBody>
+          <a:bodyPr rtlCol="0">
+            <a:normAutofit/>
+          </a:bodyPr>
+          <a:lstStyle/>
+          <a:p>
+            <a:pPr algn="l" eaLnBrk="1" fontAlgn="auto" hangingPunct="1">
+              <a:spcAft>
+                <a:spcPts val="0"/>
+              </a:spcAft>
+              <a:defRPr/>
+            </a:pPr>
+            <a:r>
+              <a:rPr lang="es-MX" sz="3200" dirty="0">
+                <a:solidFill>
+                  <a:schemeClr val="bg2">
+                    <a:lumMod val="50000"/>
+                  </a:schemeClr>
+                </a:solidFill>
+              </a:rPr>
+              <a:t>TC 2022</a:t>
+            </a:r>
+            <a:br>
+              <a:rPr lang="es-MX" sz="3200" dirty="0">
+                <a:solidFill>
+                  <a:schemeClr val="bg2">
+                    <a:lumMod val="50000"/>
+                  </a:schemeClr>
+                </a:solidFill>
+              </a:rPr>
+            </a:br>
+            <a:r>
+              <a:rPr lang="es-MX" sz="3200" dirty="0">
+                <a:solidFill>
+                  <a:schemeClr val="bg2">
+                    <a:lumMod val="50000"/>
+                  </a:schemeClr>
+                </a:solidFill>
+              </a:rPr>
+              <a:t>Interconexión de redes</a:t>
+            </a:r>
+          </a:p>
+        </p:txBody>
+      </p:sp>
+      <p:sp>
+        <p:nvSpPr>
+          <p:cNvPr id="3" name="Subtitle 2"/>
+          <p:cNvSpPr>
+            <a:spLocks noGrp="1"/>
+          </p:cNvSpPr>
+          <p:nvPr>
+            <p:ph type="subTitle" idx="1"/>
+          </p:nvPr>
+        </p:nvSpPr>
+        <p:spPr>
+          <a:xfrm>
+            <a:off x="1371600" y="2376463"/>
+            <a:ext cx="6400800" cy="1249288"/>
+          </a:xfrm>
+        </p:spPr>
+        <p:txBody>
+          <a:bodyPr rtlCol="0">
+            <a:normAutofit/>
+          </a:bodyPr>
+          <a:lstStyle/>
+          <a:p>
+            <a:pPr eaLnBrk="1" fontAlgn="auto" hangingPunct="1">
+              <a:spcAft>
+                <a:spcPts val="0"/>
+              </a:spcAft>
+              <a:defRPr/>
+            </a:pPr>
+            <a:r>
+              <a:rPr lang="es-MX" b="1" dirty="0">
+                <a:solidFill>
+                  <a:schemeClr val="accent4">
+                    <a:lumMod val="50000"/>
+                  </a:schemeClr>
+                </a:solidFill>
+              </a:rPr>
+              <a:t>Introducción a las redes</a:t>
+            </a:r>
+          </a:p>
+          <a:p>
+            <a:pPr eaLnBrk="1" fontAlgn="auto" hangingPunct="1">
+              <a:spcAft>
+                <a:spcPts val="0"/>
+              </a:spcAft>
+              <a:defRPr/>
+            </a:pPr>
+            <a:r>
+              <a:rPr lang="es-MX" sz="2000" dirty="0">
+                <a:solidFill>
+                  <a:schemeClr val="accent4">
+                    <a:lumMod val="50000"/>
+                  </a:schemeClr>
+                </a:solidFill>
+              </a:rPr>
+              <a:t>ITESM Campus Querétaro</a:t>
+            </a:r>
+          </a:p>
+        </p:txBody>
+      </p:sp>
+      <p:pic>
+        <p:nvPicPr>
+          <p:cNvPr id="5" name="Imagen 4"/>
+          <p:cNvPicPr>
+            <a:picLocks noChangeAspect="1"/>
+          </p:cNvPicPr>
+          <p:nvPr/>
+        </p:nvPicPr>
+        <p:blipFill>
+          <a:blip r:embed="rId3">
+            <a:extLst>
+              <a:ext uri="{28A0092B-C50C-407E-A947-70E740481C1C}">
+                <a14:useLocalDpi xmlns:a14="http://schemas.microsoft.com/office/drawing/2010/main" val="0"/>
+              </a:ext>
+            </a:extLst>
+          </a:blip>
+          <a:stretch>
+            <a:fillRect/>
+          </a:stretch>
+        </p:blipFill>
+        <p:spPr>
+          <a:xfrm>
+            <a:off x="2838458" y="3429000"/>
+            <a:ext cx="3821774" cy="2879184"/>
+          </a:xfrm>
+          <a:prstGeom prst="rect">
+            <a:avLst/>
+          </a:prstGeom>
+        </p:spPr>
+      </p:pic>
+    </p:spTree>
+    <p:extLst>
+      <p:ext uri="{BB962C8B-B14F-4D97-AF65-F5344CB8AC3E}">
+        <p14:creationId xmlns:p14="http://schemas.microsoft.com/office/powerpoint/2010/main" val="1293532455"/>
+      </p:ext>
+    </p:extLst>
+  </p:cSld>
+  <p:clrMapOvr>
+    <a:masterClrMapping/>
+  </p:clrMapOvr>
+</p:sld>
+</file>
+
+<file path=ppt/slides/slide20.xml><?xml version="1.0" encoding="utf-8"?>
 <p:sld xmlns:a="http://schemas.openxmlformats.org/drawingml/2006/main" xmlns:r="http://schemas.openxmlformats.org/officeDocument/2006/relationships" xmlns:p="http://schemas.openxmlformats.org/presentationml/2006/main">
   <p:cSld>
     <p:spTree>
@@ -20840,7 +19637,7 @@
 </p:sld>
 </file>
 
-<file path=ppt/slides/slide22.xml><?xml version="1.0" encoding="utf-8"?>
+<file path=ppt/slides/slide21.xml><?xml version="1.0" encoding="utf-8"?>
 <p:sld xmlns:a="http://schemas.openxmlformats.org/drawingml/2006/main" xmlns:r="http://schemas.openxmlformats.org/officeDocument/2006/relationships" xmlns:p="http://schemas.openxmlformats.org/presentationml/2006/main">
   <p:cSld>
     <p:spTree>
@@ -21747,7 +20544,7 @@
 </p:sld>
 </file>
 
-<file path=ppt/slides/slide23.xml><?xml version="1.0" encoding="utf-8"?>
+<file path=ppt/slides/slide22.xml><?xml version="1.0" encoding="utf-8"?>
 <p:sld xmlns:a="http://schemas.openxmlformats.org/drawingml/2006/main" xmlns:r="http://schemas.openxmlformats.org/officeDocument/2006/relationships" xmlns:p="http://schemas.openxmlformats.org/presentationml/2006/main">
   <p:cSld>
     <p:spTree>
@@ -22100,7 +20897,7 @@
 </p:sld>
 </file>
 
-<file path=ppt/slides/slide24.xml><?xml version="1.0" encoding="utf-8"?>
+<file path=ppt/slides/slide23.xml><?xml version="1.0" encoding="utf-8"?>
 <p:sld xmlns:a="http://schemas.openxmlformats.org/drawingml/2006/main" xmlns:r="http://schemas.openxmlformats.org/officeDocument/2006/relationships" xmlns:p="http://schemas.openxmlformats.org/presentationml/2006/main">
   <p:cSld>
     <p:spTree>
@@ -22789,7 +21586,7 @@
 </p:sld>
 </file>
 
-<file path=ppt/slides/slide25.xml><?xml version="1.0" encoding="utf-8"?>
+<file path=ppt/slides/slide24.xml><?xml version="1.0" encoding="utf-8"?>
 <p:sld xmlns:a="http://schemas.openxmlformats.org/drawingml/2006/main" xmlns:r="http://schemas.openxmlformats.org/officeDocument/2006/relationships" xmlns:p="http://schemas.openxmlformats.org/presentationml/2006/main">
   <p:cSld>
     <p:spTree>
@@ -23565,7 +22362,7 @@
 </p:sld>
 </file>
 
-<file path=ppt/slides/slide26.xml><?xml version="1.0" encoding="utf-8"?>
+<file path=ppt/slides/slide25.xml><?xml version="1.0" encoding="utf-8"?>
 <p:sld xmlns:a="http://schemas.openxmlformats.org/drawingml/2006/main" xmlns:r="http://schemas.openxmlformats.org/officeDocument/2006/relationships" xmlns:p="http://schemas.openxmlformats.org/presentationml/2006/main">
   <p:cSld>
     <p:spTree>
@@ -24221,7 +23018,7 @@
 </p:sld>
 </file>
 
-<file path=ppt/slides/slide27.xml><?xml version="1.0" encoding="utf-8"?>
+<file path=ppt/slides/slide26.xml><?xml version="1.0" encoding="utf-8"?>
 <p:sld xmlns:a="http://schemas.openxmlformats.org/drawingml/2006/main" xmlns:r="http://schemas.openxmlformats.org/officeDocument/2006/relationships" xmlns:p="http://schemas.openxmlformats.org/presentationml/2006/main">
   <p:cSld>
     <p:spTree>
@@ -24880,7 +23677,7 @@
 </p:sld>
 </file>
 
-<file path=ppt/slides/slide28.xml><?xml version="1.0" encoding="utf-8"?>
+<file path=ppt/slides/slide27.xml><?xml version="1.0" encoding="utf-8"?>
 <p:sld xmlns:a="http://schemas.openxmlformats.org/drawingml/2006/main" xmlns:r="http://schemas.openxmlformats.org/officeDocument/2006/relationships" xmlns:p="http://schemas.openxmlformats.org/presentationml/2006/main">
   <p:cSld>
     <p:spTree>
@@ -25647,7 +24444,7 @@
 </p:sld>
 </file>
 
-<file path=ppt/slides/slide29.xml><?xml version="1.0" encoding="utf-8"?>
+<file path=ppt/slides/slide28.xml><?xml version="1.0" encoding="utf-8"?>
 <p:sld xmlns:a="http://schemas.openxmlformats.org/drawingml/2006/main" xmlns:r="http://schemas.openxmlformats.org/officeDocument/2006/relationships" xmlns:p="http://schemas.openxmlformats.org/presentationml/2006/main">
   <p:cSld>
     <p:spTree>
@@ -25784,6 +24581,290 @@
     <p:extLst>
       <p:ext uri="{BB962C8B-B14F-4D97-AF65-F5344CB8AC3E}">
         <p14:creationId xmlns:p14="http://schemas.microsoft.com/office/powerpoint/2010/main" val="916406695"/>
+      </p:ext>
+    </p:extLst>
+  </p:cSld>
+  <p:clrMapOvr>
+    <a:masterClrMapping/>
+  </p:clrMapOvr>
+</p:sld>
+</file>
+
+<file path=ppt/slides/slide29.xml><?xml version="1.0" encoding="utf-8"?>
+<p:sld xmlns:a="http://schemas.openxmlformats.org/drawingml/2006/main" xmlns:r="http://schemas.openxmlformats.org/officeDocument/2006/relationships" xmlns:p="http://schemas.openxmlformats.org/presentationml/2006/main">
+  <p:cSld>
+    <p:spTree>
+      <p:nvGrpSpPr>
+        <p:cNvPr id="1" name=""/>
+        <p:cNvGrpSpPr/>
+        <p:nvPr/>
+      </p:nvGrpSpPr>
+      <p:grpSpPr>
+        <a:xfrm>
+          <a:off x="0" y="0"/>
+          <a:ext cx="0" cy="0"/>
+          <a:chOff x="0" y="0"/>
+          <a:chExt cx="0" cy="0"/>
+        </a:xfrm>
+      </p:grpSpPr>
+      <p:sp>
+        <p:nvSpPr>
+          <p:cNvPr id="7" name="Rectangle 2"/>
+          <p:cNvSpPr txBox="1">
+            <a:spLocks noChangeArrowheads="1"/>
+          </p:cNvSpPr>
+          <p:nvPr/>
+        </p:nvSpPr>
+        <p:spPr>
+          <a:xfrm>
+            <a:off x="518603" y="1916832"/>
+            <a:ext cx="5277533" cy="2657800"/>
+          </a:xfrm>
+          <a:prstGeom prst="rect">
+            <a:avLst/>
+          </a:prstGeom>
+          <a:noFill/>
+          <a:ln/>
+        </p:spPr>
+        <p:txBody>
+          <a:bodyPr lIns="92075" tIns="46038" rIns="92075" bIns="46038"/>
+          <a:lstStyle/>
+          <a:p>
+            <a:pPr marL="342900" indent="-342900">
+              <a:spcBef>
+                <a:spcPct val="20000"/>
+              </a:spcBef>
+              <a:buFont typeface="Wingdings" pitchFamily="2" charset="2"/>
+              <a:buNone/>
+              <a:defRPr/>
+            </a:pPr>
+            <a:r>
+              <a:rPr lang="es-ES_tradnl" sz="2400" kern="0" dirty="0">
+                <a:latin typeface="ZapfHumnst BT"/>
+              </a:rPr>
+              <a:t>   </a:t>
+            </a:r>
+          </a:p>
+          <a:p>
+            <a:pPr marL="914400" lvl="1" indent="-457200">
+              <a:lnSpc>
+                <a:spcPct val="200000"/>
+              </a:lnSpc>
+              <a:spcBef>
+                <a:spcPct val="20000"/>
+              </a:spcBef>
+              <a:buFont typeface="+mj-lt"/>
+              <a:buAutoNum type="arabicPeriod"/>
+              <a:defRPr/>
+            </a:pPr>
+            <a:r>
+              <a:rPr lang="es-ES" sz="2200" b="1" kern="0" dirty="0">
+                <a:solidFill>
+                  <a:schemeClr val="accent6">
+                    <a:lumMod val="75000"/>
+                  </a:schemeClr>
+                </a:solidFill>
+                <a:cs typeface="Times New Roman" pitchFamily="18" charset="0"/>
+              </a:rPr>
+              <a:t>Redes inalámbricas</a:t>
+            </a:r>
+          </a:p>
+          <a:p>
+            <a:pPr marL="914400" lvl="1" indent="-457200">
+              <a:lnSpc>
+                <a:spcPct val="200000"/>
+              </a:lnSpc>
+              <a:spcBef>
+                <a:spcPct val="20000"/>
+              </a:spcBef>
+              <a:buFont typeface="+mj-lt"/>
+              <a:buAutoNum type="arabicPeriod"/>
+              <a:defRPr/>
+            </a:pPr>
+            <a:r>
+              <a:rPr lang="es-ES" sz="2200" b="1" kern="0" dirty="0">
+                <a:solidFill>
+                  <a:schemeClr val="accent6">
+                    <a:lumMod val="75000"/>
+                  </a:schemeClr>
+                </a:solidFill>
+                <a:cs typeface="Times New Roman" pitchFamily="18" charset="0"/>
+              </a:rPr>
+              <a:t>Redes cliente – servidor</a:t>
+            </a:r>
+          </a:p>
+          <a:p>
+            <a:pPr marL="914400" lvl="1" indent="-457200">
+              <a:lnSpc>
+                <a:spcPct val="200000"/>
+              </a:lnSpc>
+              <a:spcBef>
+                <a:spcPct val="20000"/>
+              </a:spcBef>
+              <a:buFont typeface="+mj-lt"/>
+              <a:buAutoNum type="arabicPeriod"/>
+              <a:defRPr/>
+            </a:pPr>
+            <a:r>
+              <a:rPr lang="es-ES" sz="2200" b="1" kern="0" dirty="0">
+                <a:solidFill>
+                  <a:schemeClr val="accent6">
+                    <a:lumMod val="75000"/>
+                  </a:schemeClr>
+                </a:solidFill>
+                <a:cs typeface="Times New Roman" pitchFamily="18" charset="0"/>
+              </a:rPr>
+              <a:t>Redes peer </a:t>
+            </a:r>
+            <a:r>
+              <a:rPr lang="es-ES" sz="2200" b="1" kern="0" dirty="0" err="1">
+                <a:solidFill>
+                  <a:schemeClr val="accent6">
+                    <a:lumMod val="75000"/>
+                  </a:schemeClr>
+                </a:solidFill>
+                <a:cs typeface="Times New Roman" pitchFamily="18" charset="0"/>
+              </a:rPr>
+              <a:t>to</a:t>
+            </a:r>
+            <a:r>
+              <a:rPr lang="es-ES" sz="2200" b="1" kern="0" dirty="0">
+                <a:solidFill>
+                  <a:schemeClr val="accent6">
+                    <a:lumMod val="75000"/>
+                  </a:schemeClr>
+                </a:solidFill>
+                <a:cs typeface="Times New Roman" pitchFamily="18" charset="0"/>
+              </a:rPr>
+              <a:t> peer (igual a igual)</a:t>
+            </a:r>
+            <a:endParaRPr lang="es-ES_tradnl" sz="2200" b="1" kern="0" dirty="0">
+              <a:solidFill>
+                <a:schemeClr val="accent6">
+                  <a:lumMod val="75000"/>
+                </a:schemeClr>
+              </a:solidFill>
+              <a:cs typeface="Times New Roman" pitchFamily="18" charset="0"/>
+            </a:endParaRPr>
+          </a:p>
+        </p:txBody>
+      </p:sp>
+      <p:pic>
+        <p:nvPicPr>
+          <p:cNvPr id="4" name="Imagen 3"/>
+          <p:cNvPicPr>
+            <a:picLocks noChangeAspect="1"/>
+          </p:cNvPicPr>
+          <p:nvPr/>
+        </p:nvPicPr>
+        <p:blipFill>
+          <a:blip r:embed="rId2"/>
+          <a:stretch>
+            <a:fillRect/>
+          </a:stretch>
+        </p:blipFill>
+        <p:spPr>
+          <a:xfrm>
+            <a:off x="5796136" y="2230488"/>
+            <a:ext cx="2520280" cy="2513784"/>
+          </a:xfrm>
+          <a:prstGeom prst="rect">
+            <a:avLst/>
+          </a:prstGeom>
+        </p:spPr>
+      </p:pic>
+      <p:sp>
+        <p:nvSpPr>
+          <p:cNvPr id="8" name="Rectangle 2"/>
+          <p:cNvSpPr txBox="1">
+            <a:spLocks noChangeArrowheads="1"/>
+          </p:cNvSpPr>
+          <p:nvPr/>
+        </p:nvSpPr>
+        <p:spPr>
+          <a:xfrm>
+            <a:off x="144016" y="197768"/>
+            <a:ext cx="8964488" cy="1503040"/>
+          </a:xfrm>
+          <a:prstGeom prst="rect">
+            <a:avLst/>
+          </a:prstGeom>
+        </p:spPr>
+        <p:txBody>
+          <a:bodyPr vert="horz" lIns="92075" tIns="46038" rIns="92075" bIns="46038" rtlCol="0" anchor="ctr">
+            <a:noAutofit/>
+          </a:bodyPr>
+          <a:lstStyle>
+            <a:lvl1pPr algn="ctr" defTabSz="914400" rtl="0" eaLnBrk="1" latinLnBrk="0" hangingPunct="1">
+              <a:spcBef>
+                <a:spcPct val="0"/>
+              </a:spcBef>
+              <a:buNone/>
+              <a:defRPr sz="4400" kern="1200">
+                <a:solidFill>
+                  <a:schemeClr val="tx1"/>
+                </a:solidFill>
+                <a:latin typeface="+mj-lt"/>
+                <a:ea typeface="+mj-ea"/>
+                <a:cs typeface="+mj-cs"/>
+              </a:defRPr>
+            </a:lvl1pPr>
+          </a:lstStyle>
+          <a:p>
+            <a:pPr>
+              <a:lnSpc>
+                <a:spcPts val="4000"/>
+              </a:lnSpc>
+              <a:defRPr/>
+            </a:pPr>
+            <a:r>
+              <a:rPr lang="es-ES_tradnl" sz="3200" dirty="0">
+                <a:solidFill>
+                  <a:srgbClr val="3333CC"/>
+                </a:solidFill>
+                <a:effectLst>
+                  <a:outerShdw blurRad="38100" dist="38100" dir="2700000" algn="tl">
+                    <a:srgbClr val="C0C0C0"/>
+                  </a:outerShdw>
+                </a:effectLst>
+                <a:latin typeface="Dom Casual" charset="0"/>
+              </a:rPr>
+              <a:t> </a:t>
+            </a:r>
+            <a:r>
+              <a:rPr lang="es-ES_tradnl" sz="3200" b="1" dirty="0">
+                <a:solidFill>
+                  <a:schemeClr val="accent4">
+                    <a:lumMod val="50000"/>
+                  </a:schemeClr>
+                </a:solidFill>
+                <a:effectLst>
+                  <a:outerShdw blurRad="38100" dist="38100" dir="2700000" algn="tl">
+                    <a:srgbClr val="C0C0C0"/>
+                  </a:outerShdw>
+                </a:effectLst>
+                <a:latin typeface="Dom Casual" charset="0"/>
+              </a:rPr>
+              <a:t>Otros tipos de redes</a:t>
+            </a:r>
+            <a:endParaRPr lang="es-ES_tradnl" sz="3200" b="1" dirty="0">
+              <a:solidFill>
+                <a:srgbClr val="666699"/>
+              </a:solidFill>
+              <a:effectLst>
+                <a:outerShdw blurRad="38100" dist="38100" dir="2700000" algn="tl">
+                  <a:srgbClr val="C0C0C0"/>
+                </a:outerShdw>
+              </a:effectLst>
+              <a:latin typeface="Dom Casual" charset="0"/>
+            </a:endParaRPr>
+          </a:p>
+        </p:txBody>
+      </p:sp>
+    </p:spTree>
+    <p:extLst>
+      <p:ext uri="{BB962C8B-B14F-4D97-AF65-F5344CB8AC3E}">
+        <p14:creationId xmlns:p14="http://schemas.microsoft.com/office/powerpoint/2010/main" val="2371757929"/>
       </p:ext>
     </p:extLst>
   </p:cSld>
@@ -26582,290 +25663,6 @@
       </p:grpSpPr>
       <p:sp>
         <p:nvSpPr>
-          <p:cNvPr id="7" name="Rectangle 2"/>
-          <p:cNvSpPr txBox="1">
-            <a:spLocks noChangeArrowheads="1"/>
-          </p:cNvSpPr>
-          <p:nvPr/>
-        </p:nvSpPr>
-        <p:spPr>
-          <a:xfrm>
-            <a:off x="518603" y="1916832"/>
-            <a:ext cx="5277533" cy="2657800"/>
-          </a:xfrm>
-          <a:prstGeom prst="rect">
-            <a:avLst/>
-          </a:prstGeom>
-          <a:noFill/>
-          <a:ln/>
-        </p:spPr>
-        <p:txBody>
-          <a:bodyPr lIns="92075" tIns="46038" rIns="92075" bIns="46038"/>
-          <a:lstStyle/>
-          <a:p>
-            <a:pPr marL="342900" indent="-342900">
-              <a:spcBef>
-                <a:spcPct val="20000"/>
-              </a:spcBef>
-              <a:buFont typeface="Wingdings" pitchFamily="2" charset="2"/>
-              <a:buNone/>
-              <a:defRPr/>
-            </a:pPr>
-            <a:r>
-              <a:rPr lang="es-ES_tradnl" sz="2400" kern="0" dirty="0">
-                <a:latin typeface="ZapfHumnst BT"/>
-              </a:rPr>
-              <a:t>   </a:t>
-            </a:r>
-          </a:p>
-          <a:p>
-            <a:pPr marL="914400" lvl="1" indent="-457200">
-              <a:lnSpc>
-                <a:spcPct val="200000"/>
-              </a:lnSpc>
-              <a:spcBef>
-                <a:spcPct val="20000"/>
-              </a:spcBef>
-              <a:buFont typeface="+mj-lt"/>
-              <a:buAutoNum type="arabicPeriod"/>
-              <a:defRPr/>
-            </a:pPr>
-            <a:r>
-              <a:rPr lang="es-ES" sz="2200" b="1" kern="0" dirty="0">
-                <a:solidFill>
-                  <a:schemeClr val="accent6">
-                    <a:lumMod val="75000"/>
-                  </a:schemeClr>
-                </a:solidFill>
-                <a:cs typeface="Times New Roman" pitchFamily="18" charset="0"/>
-              </a:rPr>
-              <a:t>Redes inalámbricas</a:t>
-            </a:r>
-          </a:p>
-          <a:p>
-            <a:pPr marL="914400" lvl="1" indent="-457200">
-              <a:lnSpc>
-                <a:spcPct val="200000"/>
-              </a:lnSpc>
-              <a:spcBef>
-                <a:spcPct val="20000"/>
-              </a:spcBef>
-              <a:buFont typeface="+mj-lt"/>
-              <a:buAutoNum type="arabicPeriod"/>
-              <a:defRPr/>
-            </a:pPr>
-            <a:r>
-              <a:rPr lang="es-ES" sz="2200" b="1" kern="0" dirty="0">
-                <a:solidFill>
-                  <a:schemeClr val="accent6">
-                    <a:lumMod val="75000"/>
-                  </a:schemeClr>
-                </a:solidFill>
-                <a:cs typeface="Times New Roman" pitchFamily="18" charset="0"/>
-              </a:rPr>
-              <a:t>Redes cliente – servidor</a:t>
-            </a:r>
-          </a:p>
-          <a:p>
-            <a:pPr marL="914400" lvl="1" indent="-457200">
-              <a:lnSpc>
-                <a:spcPct val="200000"/>
-              </a:lnSpc>
-              <a:spcBef>
-                <a:spcPct val="20000"/>
-              </a:spcBef>
-              <a:buFont typeface="+mj-lt"/>
-              <a:buAutoNum type="arabicPeriod"/>
-              <a:defRPr/>
-            </a:pPr>
-            <a:r>
-              <a:rPr lang="es-ES" sz="2200" b="1" kern="0" dirty="0">
-                <a:solidFill>
-                  <a:schemeClr val="accent6">
-                    <a:lumMod val="75000"/>
-                  </a:schemeClr>
-                </a:solidFill>
-                <a:cs typeface="Times New Roman" pitchFamily="18" charset="0"/>
-              </a:rPr>
-              <a:t>Redes peer </a:t>
-            </a:r>
-            <a:r>
-              <a:rPr lang="es-ES" sz="2200" b="1" kern="0" dirty="0" err="1">
-                <a:solidFill>
-                  <a:schemeClr val="accent6">
-                    <a:lumMod val="75000"/>
-                  </a:schemeClr>
-                </a:solidFill>
-                <a:cs typeface="Times New Roman" pitchFamily="18" charset="0"/>
-              </a:rPr>
-              <a:t>to</a:t>
-            </a:r>
-            <a:r>
-              <a:rPr lang="es-ES" sz="2200" b="1" kern="0" dirty="0">
-                <a:solidFill>
-                  <a:schemeClr val="accent6">
-                    <a:lumMod val="75000"/>
-                  </a:schemeClr>
-                </a:solidFill>
-                <a:cs typeface="Times New Roman" pitchFamily="18" charset="0"/>
-              </a:rPr>
-              <a:t> peer (igual a igual)</a:t>
-            </a:r>
-            <a:endParaRPr lang="es-ES_tradnl" sz="2200" b="1" kern="0" dirty="0">
-              <a:solidFill>
-                <a:schemeClr val="accent6">
-                  <a:lumMod val="75000"/>
-                </a:schemeClr>
-              </a:solidFill>
-              <a:cs typeface="Times New Roman" pitchFamily="18" charset="0"/>
-            </a:endParaRPr>
-          </a:p>
-        </p:txBody>
-      </p:sp>
-      <p:pic>
-        <p:nvPicPr>
-          <p:cNvPr id="4" name="Imagen 3"/>
-          <p:cNvPicPr>
-            <a:picLocks noChangeAspect="1"/>
-          </p:cNvPicPr>
-          <p:nvPr/>
-        </p:nvPicPr>
-        <p:blipFill>
-          <a:blip r:embed="rId2"/>
-          <a:stretch>
-            <a:fillRect/>
-          </a:stretch>
-        </p:blipFill>
-        <p:spPr>
-          <a:xfrm>
-            <a:off x="5796136" y="2230488"/>
-            <a:ext cx="2520280" cy="2513784"/>
-          </a:xfrm>
-          <a:prstGeom prst="rect">
-            <a:avLst/>
-          </a:prstGeom>
-        </p:spPr>
-      </p:pic>
-      <p:sp>
-        <p:nvSpPr>
-          <p:cNvPr id="8" name="Rectangle 2"/>
-          <p:cNvSpPr txBox="1">
-            <a:spLocks noChangeArrowheads="1"/>
-          </p:cNvSpPr>
-          <p:nvPr/>
-        </p:nvSpPr>
-        <p:spPr>
-          <a:xfrm>
-            <a:off x="144016" y="197768"/>
-            <a:ext cx="8964488" cy="1503040"/>
-          </a:xfrm>
-          <a:prstGeom prst="rect">
-            <a:avLst/>
-          </a:prstGeom>
-        </p:spPr>
-        <p:txBody>
-          <a:bodyPr vert="horz" lIns="92075" tIns="46038" rIns="92075" bIns="46038" rtlCol="0" anchor="ctr">
-            <a:noAutofit/>
-          </a:bodyPr>
-          <a:lstStyle>
-            <a:lvl1pPr algn="ctr" defTabSz="914400" rtl="0" eaLnBrk="1" latinLnBrk="0" hangingPunct="1">
-              <a:spcBef>
-                <a:spcPct val="0"/>
-              </a:spcBef>
-              <a:buNone/>
-              <a:defRPr sz="4400" kern="1200">
-                <a:solidFill>
-                  <a:schemeClr val="tx1"/>
-                </a:solidFill>
-                <a:latin typeface="+mj-lt"/>
-                <a:ea typeface="+mj-ea"/>
-                <a:cs typeface="+mj-cs"/>
-              </a:defRPr>
-            </a:lvl1pPr>
-          </a:lstStyle>
-          <a:p>
-            <a:pPr>
-              <a:lnSpc>
-                <a:spcPts val="4000"/>
-              </a:lnSpc>
-              <a:defRPr/>
-            </a:pPr>
-            <a:r>
-              <a:rPr lang="es-ES_tradnl" sz="3200" dirty="0">
-                <a:solidFill>
-                  <a:srgbClr val="3333CC"/>
-                </a:solidFill>
-                <a:effectLst>
-                  <a:outerShdw blurRad="38100" dist="38100" dir="2700000" algn="tl">
-                    <a:srgbClr val="C0C0C0"/>
-                  </a:outerShdw>
-                </a:effectLst>
-                <a:latin typeface="Dom Casual" charset="0"/>
-              </a:rPr>
-              <a:t> </a:t>
-            </a:r>
-            <a:r>
-              <a:rPr lang="es-ES_tradnl" sz="3200" b="1" dirty="0">
-                <a:solidFill>
-                  <a:schemeClr val="accent4">
-                    <a:lumMod val="50000"/>
-                  </a:schemeClr>
-                </a:solidFill>
-                <a:effectLst>
-                  <a:outerShdw blurRad="38100" dist="38100" dir="2700000" algn="tl">
-                    <a:srgbClr val="C0C0C0"/>
-                  </a:outerShdw>
-                </a:effectLst>
-                <a:latin typeface="Dom Casual" charset="0"/>
-              </a:rPr>
-              <a:t>Otros tipos de redes</a:t>
-            </a:r>
-            <a:endParaRPr lang="es-ES_tradnl" sz="3200" b="1" dirty="0">
-              <a:solidFill>
-                <a:srgbClr val="666699"/>
-              </a:solidFill>
-              <a:effectLst>
-                <a:outerShdw blurRad="38100" dist="38100" dir="2700000" algn="tl">
-                  <a:srgbClr val="C0C0C0"/>
-                </a:outerShdw>
-              </a:effectLst>
-              <a:latin typeface="Dom Casual" charset="0"/>
-            </a:endParaRPr>
-          </a:p>
-        </p:txBody>
-      </p:sp>
-    </p:spTree>
-    <p:extLst>
-      <p:ext uri="{BB962C8B-B14F-4D97-AF65-F5344CB8AC3E}">
-        <p14:creationId xmlns:p14="http://schemas.microsoft.com/office/powerpoint/2010/main" val="2371757929"/>
-      </p:ext>
-    </p:extLst>
-  </p:cSld>
-  <p:clrMapOvr>
-    <a:masterClrMapping/>
-  </p:clrMapOvr>
-</p:sld>
-</file>
-
-<file path=ppt/slides/slide31.xml><?xml version="1.0" encoding="utf-8"?>
-<p:sld xmlns:a="http://schemas.openxmlformats.org/drawingml/2006/main" xmlns:r="http://schemas.openxmlformats.org/officeDocument/2006/relationships" xmlns:p="http://schemas.openxmlformats.org/presentationml/2006/main">
-  <p:cSld>
-    <p:spTree>
-      <p:nvGrpSpPr>
-        <p:cNvPr id="1" name=""/>
-        <p:cNvGrpSpPr/>
-        <p:nvPr/>
-      </p:nvGrpSpPr>
-      <p:grpSpPr>
-        <a:xfrm>
-          <a:off x="0" y="0"/>
-          <a:ext cx="0" cy="0"/>
-          <a:chOff x="0" y="0"/>
-          <a:chExt cx="0" cy="0"/>
-        </a:xfrm>
-      </p:grpSpPr>
-      <p:sp>
-        <p:nvSpPr>
           <p:cNvPr id="10244" name="Rectangle 3"/>
           <p:cNvSpPr>
             <a:spLocks noChangeArrowheads="1"/>
@@ -26929,7 +25726,7 @@
           <a:graphicData uri="http://schemas.openxmlformats.org/presentationml/2006/ole">
             <mc:AlternateContent xmlns:mc="http://schemas.openxmlformats.org/markup-compatibility/2006">
               <mc:Choice xmlns:v="urn:schemas-microsoft-com:vml" Requires="v">
-                <p:oleObj spid="_x0000_s3574" name="Imagen" r:id="rId4" imgW="1452563" imgH="1166813" progId="MS_ClipArt_Gallery.2">
+                <p:oleObj spid="_x0000_s3584" name="Imagen" r:id="rId4" imgW="1452563" imgH="1166813" progId="MS_ClipArt_Gallery.2">
                   <p:embed/>
                 </p:oleObj>
               </mc:Choice>
@@ -27028,7 +25825,7 @@
           <a:graphicData uri="http://schemas.openxmlformats.org/presentationml/2006/ole">
             <mc:AlternateContent xmlns:mc="http://schemas.openxmlformats.org/markup-compatibility/2006">
               <mc:Choice xmlns:v="urn:schemas-microsoft-com:vml" Requires="v">
-                <p:oleObj spid="_x0000_s3575" name="Imagen" r:id="rId6" imgW="1452563" imgH="1166813" progId="MS_ClipArt_Gallery.2">
+                <p:oleObj spid="_x0000_s3585" name="Imagen" r:id="rId6" imgW="1452563" imgH="1166813" progId="MS_ClipArt_Gallery.2">
                   <p:embed/>
                 </p:oleObj>
               </mc:Choice>
@@ -27127,7 +25924,7 @@
           <a:graphicData uri="http://schemas.openxmlformats.org/presentationml/2006/ole">
             <mc:AlternateContent xmlns:mc="http://schemas.openxmlformats.org/markup-compatibility/2006">
               <mc:Choice xmlns:v="urn:schemas-microsoft-com:vml" Requires="v">
-                <p:oleObj spid="_x0000_s3576" name="Imagen" r:id="rId7" imgW="1452563" imgH="1166813" progId="MS_ClipArt_Gallery.2">
+                <p:oleObj spid="_x0000_s3586" name="Imagen" r:id="rId7" imgW="1452563" imgH="1166813" progId="MS_ClipArt_Gallery.2">
                   <p:embed/>
                 </p:oleObj>
               </mc:Choice>
@@ -27226,7 +26023,7 @@
           <a:graphicData uri="http://schemas.openxmlformats.org/presentationml/2006/ole">
             <mc:AlternateContent xmlns:mc="http://schemas.openxmlformats.org/markup-compatibility/2006">
               <mc:Choice xmlns:v="urn:schemas-microsoft-com:vml" Requires="v">
-                <p:oleObj spid="_x0000_s3577" name="Imagen" r:id="rId8" imgW="1452563" imgH="1166813" progId="MS_ClipArt_Gallery.2">
+                <p:oleObj spid="_x0000_s3587" name="Imagen" r:id="rId8" imgW="1452563" imgH="1166813" progId="MS_ClipArt_Gallery.2">
                   <p:embed/>
                 </p:oleObj>
               </mc:Choice>
@@ -27325,7 +26122,7 @@
           <a:graphicData uri="http://schemas.openxmlformats.org/presentationml/2006/ole">
             <mc:AlternateContent xmlns:mc="http://schemas.openxmlformats.org/markup-compatibility/2006">
               <mc:Choice xmlns:v="urn:schemas-microsoft-com:vml" Requires="v">
-                <p:oleObj spid="_x0000_s3578" name="Imagen" r:id="rId9" imgW="1452563" imgH="1166813" progId="MS_ClipArt_Gallery.2">
+                <p:oleObj spid="_x0000_s3588" name="Imagen" r:id="rId9" imgW="1452563" imgH="1166813" progId="MS_ClipArt_Gallery.2">
                   <p:embed/>
                 </p:oleObj>
               </mc:Choice>
@@ -28526,7 +27323,7 @@
 </p:sld>
 </file>
 
-<file path=ppt/slides/slide32.xml><?xml version="1.0" encoding="utf-8"?>
+<file path=ppt/slides/slide31.xml><?xml version="1.0" encoding="utf-8"?>
 <p:sld xmlns:a="http://schemas.openxmlformats.org/drawingml/2006/main" xmlns:r="http://schemas.openxmlformats.org/officeDocument/2006/relationships" xmlns:p="http://schemas.openxmlformats.org/presentationml/2006/main">
   <p:cSld>
     <p:spTree>
@@ -28830,7 +27627,7 @@
 </p:sld>
 </file>
 
-<file path=ppt/slides/slide33.xml><?xml version="1.0" encoding="utf-8"?>
+<file path=ppt/slides/slide32.xml><?xml version="1.0" encoding="utf-8"?>
 <p:sld xmlns:a="http://schemas.openxmlformats.org/drawingml/2006/main" xmlns:r="http://schemas.openxmlformats.org/officeDocument/2006/relationships" xmlns:p="http://schemas.openxmlformats.org/presentationml/2006/main">
   <p:cSld>
     <p:spTree>
@@ -29143,7 +27940,7 @@
 </p:sld>
 </file>
 
-<file path=ppt/slides/slide34.xml><?xml version="1.0" encoding="utf-8"?>
+<file path=ppt/slides/slide33.xml><?xml version="1.0" encoding="utf-8"?>
 <p:sld xmlns:a="http://schemas.openxmlformats.org/drawingml/2006/main" xmlns:r="http://schemas.openxmlformats.org/officeDocument/2006/relationships" xmlns:p="http://schemas.openxmlformats.org/presentationml/2006/main">
   <p:cSld>
     <p:spTree>
@@ -29674,7 +28471,7 @@
 </p:sld>
 </file>
 
-<file path=ppt/slides/slide35.xml><?xml version="1.0" encoding="utf-8"?>
+<file path=ppt/slides/slide34.xml><?xml version="1.0" encoding="utf-8"?>
 <p:sld xmlns:a="http://schemas.openxmlformats.org/drawingml/2006/main" xmlns:r="http://schemas.openxmlformats.org/officeDocument/2006/relationships" xmlns:p="http://schemas.openxmlformats.org/presentationml/2006/main">
   <p:cSld>
     <p:spTree>
@@ -30411,7 +29208,7 @@
 </p:sld>
 </file>
 
-<file path=ppt/slides/slide36.xml><?xml version="1.0" encoding="utf-8"?>
+<file path=ppt/slides/slide35.xml><?xml version="1.0" encoding="utf-8"?>
 <p:sld xmlns:a="http://schemas.openxmlformats.org/drawingml/2006/main" xmlns:r="http://schemas.openxmlformats.org/officeDocument/2006/relationships" xmlns:p="http://schemas.openxmlformats.org/presentationml/2006/main">
   <p:cSld>
     <p:spTree>
@@ -30565,7 +29362,7 @@
 </p:sld>
 </file>
 
-<file path=ppt/slides/slide37.xml><?xml version="1.0" encoding="utf-8"?>
+<file path=ppt/slides/slide36.xml><?xml version="1.0" encoding="utf-8"?>
 <p:sld xmlns:a="http://schemas.openxmlformats.org/drawingml/2006/main" xmlns:r="http://schemas.openxmlformats.org/officeDocument/2006/relationships" xmlns:p="http://schemas.openxmlformats.org/presentationml/2006/main">
   <p:cSld>
     <p:spTree>
@@ -31557,7 +30354,7 @@
 </p:sld>
 </file>
 
-<file path=ppt/slides/slide38.xml><?xml version="1.0" encoding="utf-8"?>
+<file path=ppt/slides/slide37.xml><?xml version="1.0" encoding="utf-8"?>
 <p:sld xmlns:a="http://schemas.openxmlformats.org/drawingml/2006/main" xmlns:r="http://schemas.openxmlformats.org/officeDocument/2006/relationships" xmlns:p="http://schemas.openxmlformats.org/presentationml/2006/main">
   <p:cSld>
     <p:spTree>
@@ -31800,7 +30597,7 @@
 </p:sld>
 </file>
 
-<file path=ppt/slides/slide39.xml><?xml version="1.0" encoding="utf-8"?>
+<file path=ppt/slides/slide38.xml><?xml version="1.0" encoding="utf-8"?>
 <p:sld xmlns:a="http://schemas.openxmlformats.org/drawingml/2006/main" xmlns:r="http://schemas.openxmlformats.org/officeDocument/2006/relationships" xmlns:p="http://schemas.openxmlformats.org/presentationml/2006/main">
   <p:cSld>
     <p:spTree>
@@ -32035,6 +30832,352 @@
   <p:clrMapOvr>
     <a:masterClrMapping/>
   </p:clrMapOvr>
+</p:sld>
+</file>
+
+<file path=ppt/slides/slide39.xml><?xml version="1.0" encoding="utf-8"?>
+<p:sld xmlns:a="http://schemas.openxmlformats.org/drawingml/2006/main" xmlns:r="http://schemas.openxmlformats.org/officeDocument/2006/relationships" xmlns:p="http://schemas.openxmlformats.org/presentationml/2006/main">
+  <p:cSld>
+    <p:spTree>
+      <p:nvGrpSpPr>
+        <p:cNvPr id="1" name=""/>
+        <p:cNvGrpSpPr/>
+        <p:nvPr/>
+      </p:nvGrpSpPr>
+      <p:grpSpPr>
+        <a:xfrm>
+          <a:off x="0" y="0"/>
+          <a:ext cx="0" cy="0"/>
+          <a:chOff x="0" y="0"/>
+          <a:chExt cx="0" cy="0"/>
+        </a:xfrm>
+      </p:grpSpPr>
+      <p:pic>
+        <p:nvPicPr>
+          <p:cNvPr id="6" name="Imagen 5"/>
+          <p:cNvPicPr>
+            <a:picLocks noChangeAspect="1"/>
+          </p:cNvPicPr>
+          <p:nvPr/>
+        </p:nvPicPr>
+        <p:blipFill>
+          <a:blip r:embed="rId2">
+            <a:extLst>
+              <a:ext uri="{28A0092B-C50C-407E-A947-70E740481C1C}">
+                <a14:useLocalDpi xmlns:a14="http://schemas.microsoft.com/office/drawing/2010/main" val="0"/>
+              </a:ext>
+            </a:extLst>
+          </a:blip>
+          <a:stretch>
+            <a:fillRect/>
+          </a:stretch>
+        </p:blipFill>
+        <p:spPr>
+          <a:xfrm>
+            <a:off x="4067944" y="3166012"/>
+            <a:ext cx="4118962" cy="2926631"/>
+          </a:xfrm>
+          <a:prstGeom prst="rect">
+            <a:avLst/>
+          </a:prstGeom>
+        </p:spPr>
+      </p:pic>
+      <p:sp>
+        <p:nvSpPr>
+          <p:cNvPr id="5" name="Rectangle 2"/>
+          <p:cNvSpPr txBox="1">
+            <a:spLocks noChangeArrowheads="1"/>
+          </p:cNvSpPr>
+          <p:nvPr/>
+        </p:nvSpPr>
+        <p:spPr>
+          <a:xfrm>
+            <a:off x="72008" y="116632"/>
+            <a:ext cx="8964488" cy="1143000"/>
+          </a:xfrm>
+          <a:prstGeom prst="rect">
+            <a:avLst/>
+          </a:prstGeom>
+        </p:spPr>
+        <p:txBody>
+          <a:bodyPr vert="horz" lIns="92075" tIns="46038" rIns="92075" bIns="46038" rtlCol="0" anchor="ctr">
+            <a:noAutofit/>
+          </a:bodyPr>
+          <a:lstStyle>
+            <a:lvl1pPr algn="ctr" defTabSz="914400" rtl="0" eaLnBrk="1" latinLnBrk="0" hangingPunct="1">
+              <a:spcBef>
+                <a:spcPct val="0"/>
+              </a:spcBef>
+              <a:buNone/>
+              <a:defRPr sz="4400" kern="1200">
+                <a:solidFill>
+                  <a:schemeClr val="tx1"/>
+                </a:solidFill>
+                <a:latin typeface="+mj-lt"/>
+                <a:ea typeface="+mj-ea"/>
+                <a:cs typeface="+mj-cs"/>
+              </a:defRPr>
+            </a:lvl1pPr>
+          </a:lstStyle>
+          <a:p>
+            <a:pPr>
+              <a:defRPr/>
+            </a:pPr>
+            <a:r>
+              <a:rPr lang="es-ES_tradnl" sz="3200" dirty="0">
+                <a:solidFill>
+                  <a:srgbClr val="3333CC"/>
+                </a:solidFill>
+                <a:effectLst>
+                  <a:outerShdw blurRad="38100" dist="38100" dir="2700000" algn="tl">
+                    <a:srgbClr val="C0C0C0"/>
+                  </a:outerShdw>
+                </a:effectLst>
+                <a:latin typeface="Dom Casual" charset="0"/>
+              </a:rPr>
+              <a:t> </a:t>
+            </a:r>
+            <a:r>
+              <a:rPr lang="es-ES_tradnl" sz="3200" b="1" dirty="0">
+                <a:solidFill>
+                  <a:schemeClr val="accent4">
+                    <a:lumMod val="50000"/>
+                  </a:schemeClr>
+                </a:solidFill>
+                <a:effectLst>
+                  <a:outerShdw blurRad="38100" dist="38100" dir="2700000" algn="tl">
+                    <a:srgbClr val="C0C0C0"/>
+                  </a:outerShdw>
+                </a:effectLst>
+                <a:latin typeface="Dom Casual" charset="0"/>
+              </a:rPr>
+              <a:t>1. Internet</a:t>
+            </a:r>
+          </a:p>
+        </p:txBody>
+      </p:sp>
+      <p:sp>
+        <p:nvSpPr>
+          <p:cNvPr id="2" name="Rectángulo 1"/>
+          <p:cNvSpPr/>
+          <p:nvPr/>
+        </p:nvSpPr>
+        <p:spPr>
+          <a:xfrm>
+            <a:off x="755576" y="1310090"/>
+            <a:ext cx="7776864" cy="1477328"/>
+          </a:xfrm>
+          <a:prstGeom prst="rect">
+            <a:avLst/>
+          </a:prstGeom>
+        </p:spPr>
+        <p:txBody>
+          <a:bodyPr wrap="square">
+            <a:spAutoFit/>
+          </a:bodyPr>
+          <a:lstStyle/>
+          <a:p>
+            <a:pPr algn="ctr">
+              <a:lnSpc>
+                <a:spcPct val="150000"/>
+              </a:lnSpc>
+              <a:spcAft>
+                <a:spcPts val="0"/>
+              </a:spcAft>
+            </a:pPr>
+            <a:r>
+              <a:rPr lang="es-MX" sz="2000" b="1" dirty="0">
+                <a:solidFill>
+                  <a:schemeClr val="accent6">
+                    <a:lumMod val="75000"/>
+                  </a:schemeClr>
+                </a:solidFill>
+                <a:ea typeface="Calibri" panose="020F0502020204030204" pitchFamily="34" charset="0"/>
+                <a:cs typeface="Times New Roman" panose="02020603050405020304" pitchFamily="18" charset="0"/>
+              </a:rPr>
+              <a:t>Es la conexión de varios servidores alrededor de mundo que tienen como objetivo compartir información o comunicarse entre ellos, también llamada “la red de redes”. </a:t>
+            </a:r>
+          </a:p>
+        </p:txBody>
+      </p:sp>
+      <p:sp>
+        <p:nvSpPr>
+          <p:cNvPr id="7" name="Rectángulo 6"/>
+          <p:cNvSpPr/>
+          <p:nvPr/>
+        </p:nvSpPr>
+        <p:spPr>
+          <a:xfrm>
+            <a:off x="899592" y="3284984"/>
+            <a:ext cx="3474132" cy="1938992"/>
+          </a:xfrm>
+          <a:prstGeom prst="rect">
+            <a:avLst/>
+          </a:prstGeom>
+        </p:spPr>
+        <p:txBody>
+          <a:bodyPr wrap="square">
+            <a:spAutoFit/>
+          </a:bodyPr>
+          <a:lstStyle/>
+          <a:p>
+            <a:pPr>
+              <a:lnSpc>
+                <a:spcPct val="150000"/>
+              </a:lnSpc>
+              <a:spcAft>
+                <a:spcPts val="0"/>
+              </a:spcAft>
+            </a:pPr>
+            <a:r>
+              <a:rPr lang="es-MX" sz="2000" dirty="0">
+                <a:solidFill>
+                  <a:schemeClr val="bg2">
+                    <a:lumMod val="25000"/>
+                  </a:schemeClr>
+                </a:solidFill>
+                <a:ea typeface="Calibri" panose="020F0502020204030204" pitchFamily="34" charset="0"/>
+                <a:cs typeface="Times New Roman" panose="02020603050405020304" pitchFamily="18" charset="0"/>
+              </a:rPr>
+              <a:t>A través de este medio es posible realizar todo tipo de transacciones y obtener información en tiempo real.</a:t>
+            </a:r>
+          </a:p>
+        </p:txBody>
+      </p:sp>
+    </p:spTree>
+    <p:extLst>
+      <p:ext uri="{BB962C8B-B14F-4D97-AF65-F5344CB8AC3E}">
+        <p14:creationId xmlns:p14="http://schemas.microsoft.com/office/powerpoint/2010/main" val="3583840452"/>
+      </p:ext>
+    </p:extLst>
+  </p:cSld>
+  <p:clrMapOvr>
+    <a:masterClrMapping/>
+  </p:clrMapOvr>
+  <p:timing>
+    <p:tnLst>
+      <p:par>
+        <p:cTn id="1" dur="indefinite" restart="never" nodeType="tmRoot">
+          <p:childTnLst>
+            <p:seq concurrent="1" nextAc="seek">
+              <p:cTn id="2" dur="indefinite" nodeType="mainSeq">
+                <p:childTnLst>
+                  <p:par>
+                    <p:cTn id="3" fill="hold">
+                      <p:stCondLst>
+                        <p:cond delay="indefinite"/>
+                      </p:stCondLst>
+                      <p:childTnLst>
+                        <p:par>
+                          <p:cTn id="4" fill="hold">
+                            <p:stCondLst>
+                              <p:cond delay="0"/>
+                            </p:stCondLst>
+                            <p:childTnLst>
+                              <p:par>
+                                <p:cTn id="5" presetID="1" presetClass="entr" presetSubtype="0" fill="hold" grpId="0" nodeType="clickEffect">
+                                  <p:stCondLst>
+                                    <p:cond delay="0"/>
+                                  </p:stCondLst>
+                                  <p:childTnLst>
+                                    <p:set>
+                                      <p:cBhvr>
+                                        <p:cTn id="6" dur="1" fill="hold">
+                                          <p:stCondLst>
+                                            <p:cond delay="0"/>
+                                          </p:stCondLst>
+                                        </p:cTn>
+                                        <p:tgtEl>
+                                          <p:spTgt spid="2"/>
+                                        </p:tgtEl>
+                                        <p:attrNameLst>
+                                          <p:attrName>style.visibility</p:attrName>
+                                        </p:attrNameLst>
+                                      </p:cBhvr>
+                                      <p:to>
+                                        <p:strVal val="visible"/>
+                                      </p:to>
+                                    </p:set>
+                                  </p:childTnLst>
+                                </p:cTn>
+                              </p:par>
+                            </p:childTnLst>
+                          </p:cTn>
+                        </p:par>
+                      </p:childTnLst>
+                    </p:cTn>
+                  </p:par>
+                  <p:par>
+                    <p:cTn id="7" fill="hold">
+                      <p:stCondLst>
+                        <p:cond delay="indefinite"/>
+                      </p:stCondLst>
+                      <p:childTnLst>
+                        <p:par>
+                          <p:cTn id="8" fill="hold">
+                            <p:stCondLst>
+                              <p:cond delay="0"/>
+                            </p:stCondLst>
+                            <p:childTnLst>
+                              <p:par>
+                                <p:cTn id="9" presetID="1" presetClass="entr" presetSubtype="0" fill="hold" grpId="0" nodeType="clickEffect">
+                                  <p:stCondLst>
+                                    <p:cond delay="0"/>
+                                  </p:stCondLst>
+                                  <p:childTnLst>
+                                    <p:set>
+                                      <p:cBhvr>
+                                        <p:cTn id="10" dur="1" fill="hold">
+                                          <p:stCondLst>
+                                            <p:cond delay="0"/>
+                                          </p:stCondLst>
+                                        </p:cTn>
+                                        <p:tgtEl>
+                                          <p:spTgt spid="7"/>
+                                        </p:tgtEl>
+                                        <p:attrNameLst>
+                                          <p:attrName>style.visibility</p:attrName>
+                                        </p:attrNameLst>
+                                      </p:cBhvr>
+                                      <p:to>
+                                        <p:strVal val="visible"/>
+                                      </p:to>
+                                    </p:set>
+                                  </p:childTnLst>
+                                </p:cTn>
+                              </p:par>
+                            </p:childTnLst>
+                          </p:cTn>
+                        </p:par>
+                      </p:childTnLst>
+                    </p:cTn>
+                  </p:par>
+                </p:childTnLst>
+              </p:cTn>
+              <p:prevCondLst>
+                <p:cond evt="onPrev" delay="0">
+                  <p:tgtEl>
+                    <p:sldTgt/>
+                  </p:tgtEl>
+                </p:cond>
+              </p:prevCondLst>
+              <p:nextCondLst>
+                <p:cond evt="onNext" delay="0">
+                  <p:tgtEl>
+                    <p:sldTgt/>
+                  </p:tgtEl>
+                </p:cond>
+              </p:nextCondLst>
+            </p:seq>
+          </p:childTnLst>
+        </p:cTn>
+      </p:par>
+    </p:tnLst>
+    <p:bldLst>
+      <p:bldP spid="2" grpId="0"/>
+      <p:bldP spid="7" grpId="0"/>
+    </p:bldLst>
+  </p:timing>
 </p:sld>
 </file>
 
@@ -33179,352 +32322,6 @@
       </p:grpSpPr>
       <p:pic>
         <p:nvPicPr>
-          <p:cNvPr id="6" name="Imagen 5"/>
-          <p:cNvPicPr>
-            <a:picLocks noChangeAspect="1"/>
-          </p:cNvPicPr>
-          <p:nvPr/>
-        </p:nvPicPr>
-        <p:blipFill>
-          <a:blip r:embed="rId2">
-            <a:extLst>
-              <a:ext uri="{28A0092B-C50C-407E-A947-70E740481C1C}">
-                <a14:useLocalDpi xmlns:a14="http://schemas.microsoft.com/office/drawing/2010/main" val="0"/>
-              </a:ext>
-            </a:extLst>
-          </a:blip>
-          <a:stretch>
-            <a:fillRect/>
-          </a:stretch>
-        </p:blipFill>
-        <p:spPr>
-          <a:xfrm>
-            <a:off x="4067944" y="3166012"/>
-            <a:ext cx="4118962" cy="2926631"/>
-          </a:xfrm>
-          <a:prstGeom prst="rect">
-            <a:avLst/>
-          </a:prstGeom>
-        </p:spPr>
-      </p:pic>
-      <p:sp>
-        <p:nvSpPr>
-          <p:cNvPr id="5" name="Rectangle 2"/>
-          <p:cNvSpPr txBox="1">
-            <a:spLocks noChangeArrowheads="1"/>
-          </p:cNvSpPr>
-          <p:nvPr/>
-        </p:nvSpPr>
-        <p:spPr>
-          <a:xfrm>
-            <a:off x="72008" y="116632"/>
-            <a:ext cx="8964488" cy="1143000"/>
-          </a:xfrm>
-          <a:prstGeom prst="rect">
-            <a:avLst/>
-          </a:prstGeom>
-        </p:spPr>
-        <p:txBody>
-          <a:bodyPr vert="horz" lIns="92075" tIns="46038" rIns="92075" bIns="46038" rtlCol="0" anchor="ctr">
-            <a:noAutofit/>
-          </a:bodyPr>
-          <a:lstStyle>
-            <a:lvl1pPr algn="ctr" defTabSz="914400" rtl="0" eaLnBrk="1" latinLnBrk="0" hangingPunct="1">
-              <a:spcBef>
-                <a:spcPct val="0"/>
-              </a:spcBef>
-              <a:buNone/>
-              <a:defRPr sz="4400" kern="1200">
-                <a:solidFill>
-                  <a:schemeClr val="tx1"/>
-                </a:solidFill>
-                <a:latin typeface="+mj-lt"/>
-                <a:ea typeface="+mj-ea"/>
-                <a:cs typeface="+mj-cs"/>
-              </a:defRPr>
-            </a:lvl1pPr>
-          </a:lstStyle>
-          <a:p>
-            <a:pPr>
-              <a:defRPr/>
-            </a:pPr>
-            <a:r>
-              <a:rPr lang="es-ES_tradnl" sz="3200" dirty="0">
-                <a:solidFill>
-                  <a:srgbClr val="3333CC"/>
-                </a:solidFill>
-                <a:effectLst>
-                  <a:outerShdw blurRad="38100" dist="38100" dir="2700000" algn="tl">
-                    <a:srgbClr val="C0C0C0"/>
-                  </a:outerShdw>
-                </a:effectLst>
-                <a:latin typeface="Dom Casual" charset="0"/>
-              </a:rPr>
-              <a:t> </a:t>
-            </a:r>
-            <a:r>
-              <a:rPr lang="es-ES_tradnl" sz="3200" b="1" dirty="0">
-                <a:solidFill>
-                  <a:schemeClr val="accent4">
-                    <a:lumMod val="50000"/>
-                  </a:schemeClr>
-                </a:solidFill>
-                <a:effectLst>
-                  <a:outerShdw blurRad="38100" dist="38100" dir="2700000" algn="tl">
-                    <a:srgbClr val="C0C0C0"/>
-                  </a:outerShdw>
-                </a:effectLst>
-                <a:latin typeface="Dom Casual" charset="0"/>
-              </a:rPr>
-              <a:t>1. Internet</a:t>
-            </a:r>
-          </a:p>
-        </p:txBody>
-      </p:sp>
-      <p:sp>
-        <p:nvSpPr>
-          <p:cNvPr id="2" name="Rectángulo 1"/>
-          <p:cNvSpPr/>
-          <p:nvPr/>
-        </p:nvSpPr>
-        <p:spPr>
-          <a:xfrm>
-            <a:off x="755576" y="1310090"/>
-            <a:ext cx="7776864" cy="1477328"/>
-          </a:xfrm>
-          <a:prstGeom prst="rect">
-            <a:avLst/>
-          </a:prstGeom>
-        </p:spPr>
-        <p:txBody>
-          <a:bodyPr wrap="square">
-            <a:spAutoFit/>
-          </a:bodyPr>
-          <a:lstStyle/>
-          <a:p>
-            <a:pPr algn="ctr">
-              <a:lnSpc>
-                <a:spcPct val="150000"/>
-              </a:lnSpc>
-              <a:spcAft>
-                <a:spcPts val="0"/>
-              </a:spcAft>
-            </a:pPr>
-            <a:r>
-              <a:rPr lang="es-MX" sz="2000" b="1" dirty="0">
-                <a:solidFill>
-                  <a:schemeClr val="accent6">
-                    <a:lumMod val="75000"/>
-                  </a:schemeClr>
-                </a:solidFill>
-                <a:ea typeface="Calibri" panose="020F0502020204030204" pitchFamily="34" charset="0"/>
-                <a:cs typeface="Times New Roman" panose="02020603050405020304" pitchFamily="18" charset="0"/>
-              </a:rPr>
-              <a:t>Es la conexión de varios servidores alrededor de mundo que tienen como objetivo compartir información o comunicarse entre ellos, también llamada “la red de redes”. </a:t>
-            </a:r>
-          </a:p>
-        </p:txBody>
-      </p:sp>
-      <p:sp>
-        <p:nvSpPr>
-          <p:cNvPr id="7" name="Rectángulo 6"/>
-          <p:cNvSpPr/>
-          <p:nvPr/>
-        </p:nvSpPr>
-        <p:spPr>
-          <a:xfrm>
-            <a:off x="899592" y="3284984"/>
-            <a:ext cx="3474132" cy="1938992"/>
-          </a:xfrm>
-          <a:prstGeom prst="rect">
-            <a:avLst/>
-          </a:prstGeom>
-        </p:spPr>
-        <p:txBody>
-          <a:bodyPr wrap="square">
-            <a:spAutoFit/>
-          </a:bodyPr>
-          <a:lstStyle/>
-          <a:p>
-            <a:pPr>
-              <a:lnSpc>
-                <a:spcPct val="150000"/>
-              </a:lnSpc>
-              <a:spcAft>
-                <a:spcPts val="0"/>
-              </a:spcAft>
-            </a:pPr>
-            <a:r>
-              <a:rPr lang="es-MX" sz="2000" dirty="0">
-                <a:solidFill>
-                  <a:schemeClr val="bg2">
-                    <a:lumMod val="25000"/>
-                  </a:schemeClr>
-                </a:solidFill>
-                <a:ea typeface="Calibri" panose="020F0502020204030204" pitchFamily="34" charset="0"/>
-                <a:cs typeface="Times New Roman" panose="02020603050405020304" pitchFamily="18" charset="0"/>
-              </a:rPr>
-              <a:t>A través de este medio es posible realizar todo tipo de transacciones y obtener información en tiempo real.</a:t>
-            </a:r>
-          </a:p>
-        </p:txBody>
-      </p:sp>
-    </p:spTree>
-    <p:extLst>
-      <p:ext uri="{BB962C8B-B14F-4D97-AF65-F5344CB8AC3E}">
-        <p14:creationId xmlns:p14="http://schemas.microsoft.com/office/powerpoint/2010/main" val="3583840452"/>
-      </p:ext>
-    </p:extLst>
-  </p:cSld>
-  <p:clrMapOvr>
-    <a:masterClrMapping/>
-  </p:clrMapOvr>
-  <p:timing>
-    <p:tnLst>
-      <p:par>
-        <p:cTn id="1" dur="indefinite" restart="never" nodeType="tmRoot">
-          <p:childTnLst>
-            <p:seq concurrent="1" nextAc="seek">
-              <p:cTn id="2" dur="indefinite" nodeType="mainSeq">
-                <p:childTnLst>
-                  <p:par>
-                    <p:cTn id="3" fill="hold">
-                      <p:stCondLst>
-                        <p:cond delay="indefinite"/>
-                      </p:stCondLst>
-                      <p:childTnLst>
-                        <p:par>
-                          <p:cTn id="4" fill="hold">
-                            <p:stCondLst>
-                              <p:cond delay="0"/>
-                            </p:stCondLst>
-                            <p:childTnLst>
-                              <p:par>
-                                <p:cTn id="5" presetID="1" presetClass="entr" presetSubtype="0" fill="hold" grpId="0" nodeType="clickEffect">
-                                  <p:stCondLst>
-                                    <p:cond delay="0"/>
-                                  </p:stCondLst>
-                                  <p:childTnLst>
-                                    <p:set>
-                                      <p:cBhvr>
-                                        <p:cTn id="6" dur="1" fill="hold">
-                                          <p:stCondLst>
-                                            <p:cond delay="0"/>
-                                          </p:stCondLst>
-                                        </p:cTn>
-                                        <p:tgtEl>
-                                          <p:spTgt spid="2"/>
-                                        </p:tgtEl>
-                                        <p:attrNameLst>
-                                          <p:attrName>style.visibility</p:attrName>
-                                        </p:attrNameLst>
-                                      </p:cBhvr>
-                                      <p:to>
-                                        <p:strVal val="visible"/>
-                                      </p:to>
-                                    </p:set>
-                                  </p:childTnLst>
-                                </p:cTn>
-                              </p:par>
-                            </p:childTnLst>
-                          </p:cTn>
-                        </p:par>
-                      </p:childTnLst>
-                    </p:cTn>
-                  </p:par>
-                  <p:par>
-                    <p:cTn id="7" fill="hold">
-                      <p:stCondLst>
-                        <p:cond delay="indefinite"/>
-                      </p:stCondLst>
-                      <p:childTnLst>
-                        <p:par>
-                          <p:cTn id="8" fill="hold">
-                            <p:stCondLst>
-                              <p:cond delay="0"/>
-                            </p:stCondLst>
-                            <p:childTnLst>
-                              <p:par>
-                                <p:cTn id="9" presetID="1" presetClass="entr" presetSubtype="0" fill="hold" grpId="0" nodeType="clickEffect">
-                                  <p:stCondLst>
-                                    <p:cond delay="0"/>
-                                  </p:stCondLst>
-                                  <p:childTnLst>
-                                    <p:set>
-                                      <p:cBhvr>
-                                        <p:cTn id="10" dur="1" fill="hold">
-                                          <p:stCondLst>
-                                            <p:cond delay="0"/>
-                                          </p:stCondLst>
-                                        </p:cTn>
-                                        <p:tgtEl>
-                                          <p:spTgt spid="7"/>
-                                        </p:tgtEl>
-                                        <p:attrNameLst>
-                                          <p:attrName>style.visibility</p:attrName>
-                                        </p:attrNameLst>
-                                      </p:cBhvr>
-                                      <p:to>
-                                        <p:strVal val="visible"/>
-                                      </p:to>
-                                    </p:set>
-                                  </p:childTnLst>
-                                </p:cTn>
-                              </p:par>
-                            </p:childTnLst>
-                          </p:cTn>
-                        </p:par>
-                      </p:childTnLst>
-                    </p:cTn>
-                  </p:par>
-                </p:childTnLst>
-              </p:cTn>
-              <p:prevCondLst>
-                <p:cond evt="onPrev" delay="0">
-                  <p:tgtEl>
-                    <p:sldTgt/>
-                  </p:tgtEl>
-                </p:cond>
-              </p:prevCondLst>
-              <p:nextCondLst>
-                <p:cond evt="onNext" delay="0">
-                  <p:tgtEl>
-                    <p:sldTgt/>
-                  </p:tgtEl>
-                </p:cond>
-              </p:nextCondLst>
-            </p:seq>
-          </p:childTnLst>
-        </p:cTn>
-      </p:par>
-    </p:tnLst>
-    <p:bldLst>
-      <p:bldP spid="2" grpId="0"/>
-      <p:bldP spid="7" grpId="0"/>
-    </p:bldLst>
-  </p:timing>
-</p:sld>
-</file>
-
-<file path=ppt/slides/slide41.xml><?xml version="1.0" encoding="utf-8"?>
-<p:sld xmlns:a="http://schemas.openxmlformats.org/drawingml/2006/main" xmlns:r="http://schemas.openxmlformats.org/officeDocument/2006/relationships" xmlns:p="http://schemas.openxmlformats.org/presentationml/2006/main">
-  <p:cSld>
-    <p:spTree>
-      <p:nvGrpSpPr>
-        <p:cNvPr id="1" name=""/>
-        <p:cNvGrpSpPr/>
-        <p:nvPr/>
-      </p:nvGrpSpPr>
-      <p:grpSpPr>
-        <a:xfrm>
-          <a:off x="0" y="0"/>
-          <a:ext cx="0" cy="0"/>
-          <a:chOff x="0" y="0"/>
-          <a:chExt cx="0" cy="0"/>
-        </a:xfrm>
-      </p:grpSpPr>
-      <p:pic>
-        <p:nvPicPr>
           <p:cNvPr id="8" name="Imagen 7"/>
           <p:cNvPicPr>
             <a:picLocks noChangeAspect="1"/>
@@ -33999,7 +32796,7 @@
 </p:sld>
 </file>
 
-<file path=ppt/slides/slide42.xml><?xml version="1.0" encoding="utf-8"?>
+<file path=ppt/slides/slide41.xml><?xml version="1.0" encoding="utf-8"?>
 <p:sld xmlns:a="http://schemas.openxmlformats.org/drawingml/2006/main" xmlns:r="http://schemas.openxmlformats.org/officeDocument/2006/relationships" xmlns:p="http://schemas.openxmlformats.org/presentationml/2006/main">
   <p:cSld>
     <p:spTree>
@@ -34516,7 +33313,7 @@
 </p:sld>
 </file>
 
-<file path=ppt/slides/slide43.xml><?xml version="1.0" encoding="utf-8"?>
+<file path=ppt/slides/slide42.xml><?xml version="1.0" encoding="utf-8"?>
 <p:sld xmlns:a="http://schemas.openxmlformats.org/drawingml/2006/main" xmlns:r="http://schemas.openxmlformats.org/officeDocument/2006/relationships" xmlns:p="http://schemas.openxmlformats.org/presentationml/2006/main">
   <p:cSld>
     <p:spTree>
@@ -35141,7 +33938,7 @@
 </p:sld>
 </file>
 
-<file path=ppt/slides/slide44.xml><?xml version="1.0" encoding="utf-8"?>
+<file path=ppt/slides/slide43.xml><?xml version="1.0" encoding="utf-8"?>
 <p:sld xmlns:a="http://schemas.openxmlformats.org/drawingml/2006/main" xmlns:r="http://schemas.openxmlformats.org/officeDocument/2006/relationships" xmlns:p="http://schemas.openxmlformats.org/presentationml/2006/main">
   <p:cSld>
     <p:spTree>
@@ -35625,7 +34422,7 @@
 </p:sld>
 </file>
 
-<file path=ppt/slides/slide45.xml><?xml version="1.0" encoding="utf-8"?>
+<file path=ppt/slides/slide44.xml><?xml version="1.0" encoding="utf-8"?>
 <p:sld xmlns:a="http://schemas.openxmlformats.org/drawingml/2006/main" xmlns:r="http://schemas.openxmlformats.org/officeDocument/2006/relationships" xmlns:p="http://schemas.openxmlformats.org/presentationml/2006/main">
   <p:cSld>
     <p:spTree>
@@ -36730,7 +35527,7 @@
 </p:sld>
 </file>
 
-<file path=ppt/slides/slide46.xml><?xml version="1.0" encoding="utf-8"?>
+<file path=ppt/slides/slide45.xml><?xml version="1.0" encoding="utf-8"?>
 <p:sld xmlns:a="http://schemas.openxmlformats.org/drawingml/2006/main" xmlns:r="http://schemas.openxmlformats.org/officeDocument/2006/relationships" xmlns:p="http://schemas.openxmlformats.org/presentationml/2006/main">
   <p:cSld>
     <p:spTree>
@@ -37211,7 +36008,7 @@
 </p:sld>
 </file>
 
-<file path=ppt/slides/slide47.xml><?xml version="1.0" encoding="utf-8"?>
+<file path=ppt/slides/slide46.xml><?xml version="1.0" encoding="utf-8"?>
 <p:sld xmlns:a="http://schemas.openxmlformats.org/drawingml/2006/main" xmlns:r="http://schemas.openxmlformats.org/officeDocument/2006/relationships" xmlns:p="http://schemas.openxmlformats.org/presentationml/2006/main">
   <p:cSld>
     <p:spTree>
@@ -37612,7 +36409,7 @@
 </p:sld>
 </file>
 
-<file path=ppt/slides/slide48.xml><?xml version="1.0" encoding="utf-8"?>
+<file path=ppt/slides/slide47.xml><?xml version="1.0" encoding="utf-8"?>
 <p:sld xmlns:a="http://schemas.openxmlformats.org/drawingml/2006/main" xmlns:r="http://schemas.openxmlformats.org/officeDocument/2006/relationships" xmlns:p="http://schemas.openxmlformats.org/presentationml/2006/main">
   <p:cSld>
     <p:spTree>
